--- a/docs/diagrams/UndoRedoExecuteUndoStackDiagram.pptx
+++ b/docs/diagrams/UndoRedoExecuteUndoStackDiagram.pptx
@@ -2,18 +2,18 @@
 <file path=ppt/presentation.xml><?xml version="1.0" encoding="utf-8"?>
 <p:presentation xmlns:a="http://schemas.openxmlformats.org/drawingml/2006/main" xmlns:r="http://schemas.openxmlformats.org/officeDocument/2006/relationships" xmlns:p="http://schemas.openxmlformats.org/presentationml/2006/main" saveSubsetFonts="1">
   <p:sldMasterIdLst>
-    <p:sldMasterId id="2147483648" r:id="rId1"/>
+    <p:sldMasterId id="2147483660" r:id="rId1"/>
   </p:sldMasterIdLst>
   <p:sldIdLst>
     <p:sldId id="256" r:id="rId2"/>
   </p:sldIdLst>
-  <p:sldSz cx="12192000" cy="6858000"/>
+  <p:sldSz cx="14400213" cy="6858000"/>
   <p:notesSz cx="6858000" cy="9144000"/>
   <p:defaultTextStyle>
     <a:defPPr>
       <a:defRPr lang="en-US"/>
     </a:defPPr>
-    <a:lvl1pPr marL="0" algn="l" defTabSz="914400" rtl="0" eaLnBrk="1" latinLnBrk="0" hangingPunct="1">
+    <a:lvl1pPr marL="0" algn="l" defTabSz="457200" rtl="0" eaLnBrk="1" latinLnBrk="0" hangingPunct="1">
       <a:defRPr sz="1800" kern="1200">
         <a:solidFill>
           <a:schemeClr val="tx1"/>
@@ -23,7 +23,7 @@
         <a:cs typeface="+mn-cs"/>
       </a:defRPr>
     </a:lvl1pPr>
-    <a:lvl2pPr marL="457200" algn="l" defTabSz="914400" rtl="0" eaLnBrk="1" latinLnBrk="0" hangingPunct="1">
+    <a:lvl2pPr marL="457200" algn="l" defTabSz="457200" rtl="0" eaLnBrk="1" latinLnBrk="0" hangingPunct="1">
       <a:defRPr sz="1800" kern="1200">
         <a:solidFill>
           <a:schemeClr val="tx1"/>
@@ -33,7 +33,7 @@
         <a:cs typeface="+mn-cs"/>
       </a:defRPr>
     </a:lvl2pPr>
-    <a:lvl3pPr marL="914400" algn="l" defTabSz="914400" rtl="0" eaLnBrk="1" latinLnBrk="0" hangingPunct="1">
+    <a:lvl3pPr marL="914400" algn="l" defTabSz="457200" rtl="0" eaLnBrk="1" latinLnBrk="0" hangingPunct="1">
       <a:defRPr sz="1800" kern="1200">
         <a:solidFill>
           <a:schemeClr val="tx1"/>
@@ -43,7 +43,7 @@
         <a:cs typeface="+mn-cs"/>
       </a:defRPr>
     </a:lvl3pPr>
-    <a:lvl4pPr marL="1371600" algn="l" defTabSz="914400" rtl="0" eaLnBrk="1" latinLnBrk="0" hangingPunct="1">
+    <a:lvl4pPr marL="1371600" algn="l" defTabSz="457200" rtl="0" eaLnBrk="1" latinLnBrk="0" hangingPunct="1">
       <a:defRPr sz="1800" kern="1200">
         <a:solidFill>
           <a:schemeClr val="tx1"/>
@@ -53,7 +53,7 @@
         <a:cs typeface="+mn-cs"/>
       </a:defRPr>
     </a:lvl4pPr>
-    <a:lvl5pPr marL="1828800" algn="l" defTabSz="914400" rtl="0" eaLnBrk="1" latinLnBrk="0" hangingPunct="1">
+    <a:lvl5pPr marL="1828800" algn="l" defTabSz="457200" rtl="0" eaLnBrk="1" latinLnBrk="0" hangingPunct="1">
       <a:defRPr sz="1800" kern="1200">
         <a:solidFill>
           <a:schemeClr val="tx1"/>
@@ -63,7 +63,7 @@
         <a:cs typeface="+mn-cs"/>
       </a:defRPr>
     </a:lvl5pPr>
-    <a:lvl6pPr marL="2286000" algn="l" defTabSz="914400" rtl="0" eaLnBrk="1" latinLnBrk="0" hangingPunct="1">
+    <a:lvl6pPr marL="2286000" algn="l" defTabSz="457200" rtl="0" eaLnBrk="1" latinLnBrk="0" hangingPunct="1">
       <a:defRPr sz="1800" kern="1200">
         <a:solidFill>
           <a:schemeClr val="tx1"/>
@@ -73,7 +73,7 @@
         <a:cs typeface="+mn-cs"/>
       </a:defRPr>
     </a:lvl6pPr>
-    <a:lvl7pPr marL="2743200" algn="l" defTabSz="914400" rtl="0" eaLnBrk="1" latinLnBrk="0" hangingPunct="1">
+    <a:lvl7pPr marL="2743200" algn="l" defTabSz="457200" rtl="0" eaLnBrk="1" latinLnBrk="0" hangingPunct="1">
       <a:defRPr sz="1800" kern="1200">
         <a:solidFill>
           <a:schemeClr val="tx1"/>
@@ -83,7 +83,7 @@
         <a:cs typeface="+mn-cs"/>
       </a:defRPr>
     </a:lvl7pPr>
-    <a:lvl8pPr marL="3200400" algn="l" defTabSz="914400" rtl="0" eaLnBrk="1" latinLnBrk="0" hangingPunct="1">
+    <a:lvl8pPr marL="3200400" algn="l" defTabSz="457200" rtl="0" eaLnBrk="1" latinLnBrk="0" hangingPunct="1">
       <a:defRPr sz="1800" kern="1200">
         <a:solidFill>
           <a:schemeClr val="tx1"/>
@@ -93,7 +93,7 @@
         <a:cs typeface="+mn-cs"/>
       </a:defRPr>
     </a:lvl8pPr>
-    <a:lvl9pPr marL="3657600" algn="l" defTabSz="914400" rtl="0" eaLnBrk="1" latinLnBrk="0" hangingPunct="1">
+    <a:lvl9pPr marL="3657600" algn="l" defTabSz="457200" rtl="0" eaLnBrk="1" latinLnBrk="0" hangingPunct="1">
       <a:defRPr sz="1800" kern="1200">
         <a:solidFill>
           <a:schemeClr val="tx1"/>
@@ -110,10 +110,6 @@
     </p:ext>
   </p:extLst>
 </p:presentation>
-</file>
-
-<file path=ppt/revisionInfo.xml><?xml version="1.0" encoding="utf-8"?>
-<p1510:revInfo xmlns:a="http://schemas.openxmlformats.org/drawingml/2006/main" xmlns:r="http://schemas.openxmlformats.org/officeDocument/2006/relationships" xmlns:p1510="http://schemas.microsoft.com/office/powerpoint/2015/10/main"/>
 </file>
 
 <file path=ppt/slideLayouts/slideLayout1.xml><?xml version="1.0" encoding="utf-8"?>
@@ -135,13 +131,7 @@
       </p:grpSpPr>
       <p:sp>
         <p:nvSpPr>
-          <p:cNvPr id="2" name="Title 1">
-            <a:extLst>
-              <a:ext uri="{FF2B5EF4-FFF2-40B4-BE49-F238E27FC236}">
-                <a16:creationId xmlns:a16="http://schemas.microsoft.com/office/drawing/2014/main" xmlns="" id="{39FCC519-EE2E-4054-A653-93D611E0133E}"/>
-              </a:ext>
-            </a:extLst>
-          </p:cNvPr>
+          <p:cNvPr id="2" name="Title 1"/>
           <p:cNvSpPr>
             <a:spLocks noGrp="1"/>
           </p:cNvSpPr>
@@ -151,8 +141,8 @@
         </p:nvSpPr>
         <p:spPr>
           <a:xfrm>
-            <a:off x="1524000" y="1122363"/>
-            <a:ext cx="9144000" cy="2387600"/>
+            <a:off x="1800027" y="1122363"/>
+            <a:ext cx="10800160" cy="2387600"/>
           </a:xfrm>
         </p:spPr>
         <p:txBody>
@@ -167,19 +157,13 @@
               <a:rPr lang="en-US"/>
               <a:t>Click to edit Master title style</a:t>
             </a:r>
-            <a:endParaRPr lang="en-SG"/>
-          </a:p>
-        </p:txBody>
-      </p:sp>
-      <p:sp>
-        <p:nvSpPr>
-          <p:cNvPr id="3" name="Subtitle 2">
-            <a:extLst>
-              <a:ext uri="{FF2B5EF4-FFF2-40B4-BE49-F238E27FC236}">
-                <a16:creationId xmlns:a16="http://schemas.microsoft.com/office/drawing/2014/main" xmlns="" id="{3EDEA74E-4030-4F69-A055-4C6319EEEC29}"/>
-              </a:ext>
-            </a:extLst>
-          </p:cNvPr>
+            <a:endParaRPr lang="en-US" dirty="0"/>
+          </a:p>
+        </p:txBody>
+      </p:sp>
+      <p:sp>
+        <p:nvSpPr>
+          <p:cNvPr id="3" name="Subtitle 2"/>
           <p:cNvSpPr>
             <a:spLocks noGrp="1"/>
           </p:cNvSpPr>
@@ -189,8 +173,8 @@
         </p:nvSpPr>
         <p:spPr>
           <a:xfrm>
-            <a:off x="1524000" y="3602038"/>
-            <a:ext cx="9144000" cy="1655762"/>
+            <a:off x="1800027" y="3602038"/>
+            <a:ext cx="10800160" cy="1655762"/>
           </a:xfrm>
         </p:spPr>
         <p:txBody>
@@ -238,19 +222,13 @@
               <a:rPr lang="en-US"/>
               <a:t>Click to edit Master subtitle style</a:t>
             </a:r>
-            <a:endParaRPr lang="en-SG"/>
-          </a:p>
-        </p:txBody>
-      </p:sp>
-      <p:sp>
-        <p:nvSpPr>
-          <p:cNvPr id="4" name="Date Placeholder 3">
-            <a:extLst>
-              <a:ext uri="{FF2B5EF4-FFF2-40B4-BE49-F238E27FC236}">
-                <a16:creationId xmlns:a16="http://schemas.microsoft.com/office/drawing/2014/main" xmlns="" id="{E5CC99E3-37A6-4485-B9A2-AF27A72608C6}"/>
-              </a:ext>
-            </a:extLst>
-          </p:cNvPr>
+            <a:endParaRPr lang="en-US" dirty="0"/>
+          </a:p>
+        </p:txBody>
+      </p:sp>
+      <p:sp>
+        <p:nvSpPr>
+          <p:cNvPr id="4" name="Date Placeholder 3"/>
           <p:cNvSpPr>
             <a:spLocks noGrp="1"/>
           </p:cNvSpPr>
@@ -265,21 +243,15 @@
           <a:p>
             <a:fld id="{03EC4E3E-8101-482F-A883-8B55DAFF7C07}" type="datetimeFigureOut">
               <a:rPr lang="en-SG" smtClean="0"/>
-              <a:t>30/12/2017</a:t>
+              <a:t>19/3/2018</a:t>
             </a:fld>
-            <a:endParaRPr lang="en-SG"/>
-          </a:p>
-        </p:txBody>
-      </p:sp>
-      <p:sp>
-        <p:nvSpPr>
-          <p:cNvPr id="5" name="Footer Placeholder 4">
-            <a:extLst>
-              <a:ext uri="{FF2B5EF4-FFF2-40B4-BE49-F238E27FC236}">
-                <a16:creationId xmlns:a16="http://schemas.microsoft.com/office/drawing/2014/main" xmlns="" id="{D75BD546-D949-4A25-8EA4-47DF23229409}"/>
-              </a:ext>
-            </a:extLst>
-          </p:cNvPr>
+            <a:endParaRPr lang="en-SG" dirty="0"/>
+          </a:p>
+        </p:txBody>
+      </p:sp>
+      <p:sp>
+        <p:nvSpPr>
+          <p:cNvPr id="5" name="Footer Placeholder 4"/>
           <p:cNvSpPr>
             <a:spLocks noGrp="1"/>
           </p:cNvSpPr>
@@ -292,19 +264,13 @@
           <a:bodyPr/>
           <a:lstStyle/>
           <a:p>
-            <a:endParaRPr lang="en-SG"/>
-          </a:p>
-        </p:txBody>
-      </p:sp>
-      <p:sp>
-        <p:nvSpPr>
-          <p:cNvPr id="6" name="Slide Number Placeholder 5">
-            <a:extLst>
-              <a:ext uri="{FF2B5EF4-FFF2-40B4-BE49-F238E27FC236}">
-                <a16:creationId xmlns:a16="http://schemas.microsoft.com/office/drawing/2014/main" xmlns="" id="{68147391-4DF6-4ACF-BCE9-C1A9DAC803E3}"/>
-              </a:ext>
-            </a:extLst>
-          </p:cNvPr>
+            <a:endParaRPr lang="en-SG" dirty="0"/>
+          </a:p>
+        </p:txBody>
+      </p:sp>
+      <p:sp>
+        <p:nvSpPr>
+          <p:cNvPr id="6" name="Slide Number Placeholder 5"/>
           <p:cNvSpPr>
             <a:spLocks noGrp="1"/>
           </p:cNvSpPr>
@@ -321,14 +287,14 @@
               <a:rPr lang="en-SG" smtClean="0"/>
               <a:t>‹#›</a:t>
             </a:fld>
-            <a:endParaRPr lang="en-SG"/>
+            <a:endParaRPr lang="en-SG" dirty="0"/>
           </a:p>
         </p:txBody>
       </p:sp>
     </p:spTree>
     <p:extLst>
       <p:ext uri="{BB962C8B-B14F-4D97-AF65-F5344CB8AC3E}">
-        <p14:creationId xmlns:p14="http://schemas.microsoft.com/office/powerpoint/2010/main" val="4227771393"/>
+        <p14:creationId xmlns:p14="http://schemas.microsoft.com/office/powerpoint/2010/main" val="3580389818"/>
       </p:ext>
     </p:extLst>
   </p:cSld>
@@ -357,13 +323,7 @@
       </p:grpSpPr>
       <p:sp>
         <p:nvSpPr>
-          <p:cNvPr id="2" name="Title 1">
-            <a:extLst>
-              <a:ext uri="{FF2B5EF4-FFF2-40B4-BE49-F238E27FC236}">
-                <a16:creationId xmlns:a16="http://schemas.microsoft.com/office/drawing/2014/main" xmlns="" id="{251D3DFE-0C62-45F5-B1BF-FD1F194ED112}"/>
-              </a:ext>
-            </a:extLst>
-          </p:cNvPr>
+          <p:cNvPr id="2" name="Title 1"/>
           <p:cNvSpPr>
             <a:spLocks noGrp="1"/>
           </p:cNvSpPr>
@@ -380,19 +340,13 @@
               <a:rPr lang="en-US"/>
               <a:t>Click to edit Master title style</a:t>
             </a:r>
-            <a:endParaRPr lang="en-SG"/>
-          </a:p>
-        </p:txBody>
-      </p:sp>
-      <p:sp>
-        <p:nvSpPr>
-          <p:cNvPr id="3" name="Vertical Text Placeholder 2">
-            <a:extLst>
-              <a:ext uri="{FF2B5EF4-FFF2-40B4-BE49-F238E27FC236}">
-                <a16:creationId xmlns:a16="http://schemas.microsoft.com/office/drawing/2014/main" xmlns="" id="{D2392762-3586-4B6D-A174-2D3ACF0A125B}"/>
-              </a:ext>
-            </a:extLst>
-          </p:cNvPr>
+            <a:endParaRPr lang="en-US" dirty="0"/>
+          </a:p>
+        </p:txBody>
+      </p:sp>
+      <p:sp>
+        <p:nvSpPr>
+          <p:cNvPr id="3" name="Vertical Text Placeholder 2"/>
           <p:cNvSpPr>
             <a:spLocks noGrp="1"/>
           </p:cNvSpPr>
@@ -438,19 +392,13 @@
               <a:rPr lang="en-US"/>
               <a:t>Fifth level</a:t>
             </a:r>
-            <a:endParaRPr lang="en-SG"/>
-          </a:p>
-        </p:txBody>
-      </p:sp>
-      <p:sp>
-        <p:nvSpPr>
-          <p:cNvPr id="4" name="Date Placeholder 3">
-            <a:extLst>
-              <a:ext uri="{FF2B5EF4-FFF2-40B4-BE49-F238E27FC236}">
-                <a16:creationId xmlns:a16="http://schemas.microsoft.com/office/drawing/2014/main" xmlns="" id="{73B232E7-84FB-4535-9FC1-1BEF8F17421F}"/>
-              </a:ext>
-            </a:extLst>
-          </p:cNvPr>
+            <a:endParaRPr lang="en-US" dirty="0"/>
+          </a:p>
+        </p:txBody>
+      </p:sp>
+      <p:sp>
+        <p:nvSpPr>
+          <p:cNvPr id="4" name="Date Placeholder 3"/>
           <p:cNvSpPr>
             <a:spLocks noGrp="1"/>
           </p:cNvSpPr>
@@ -465,21 +413,15 @@
           <a:p>
             <a:fld id="{03EC4E3E-8101-482F-A883-8B55DAFF7C07}" type="datetimeFigureOut">
               <a:rPr lang="en-SG" smtClean="0"/>
-              <a:t>30/12/2017</a:t>
+              <a:t>19/3/2018</a:t>
             </a:fld>
-            <a:endParaRPr lang="en-SG"/>
-          </a:p>
-        </p:txBody>
-      </p:sp>
-      <p:sp>
-        <p:nvSpPr>
-          <p:cNvPr id="5" name="Footer Placeholder 4">
-            <a:extLst>
-              <a:ext uri="{FF2B5EF4-FFF2-40B4-BE49-F238E27FC236}">
-                <a16:creationId xmlns:a16="http://schemas.microsoft.com/office/drawing/2014/main" xmlns="" id="{76F796EF-04EF-401A-AC84-F7BDBC99DE80}"/>
-              </a:ext>
-            </a:extLst>
-          </p:cNvPr>
+            <a:endParaRPr lang="en-SG" dirty="0"/>
+          </a:p>
+        </p:txBody>
+      </p:sp>
+      <p:sp>
+        <p:nvSpPr>
+          <p:cNvPr id="5" name="Footer Placeholder 4"/>
           <p:cNvSpPr>
             <a:spLocks noGrp="1"/>
           </p:cNvSpPr>
@@ -492,19 +434,13 @@
           <a:bodyPr/>
           <a:lstStyle/>
           <a:p>
-            <a:endParaRPr lang="en-SG"/>
-          </a:p>
-        </p:txBody>
-      </p:sp>
-      <p:sp>
-        <p:nvSpPr>
-          <p:cNvPr id="6" name="Slide Number Placeholder 5">
-            <a:extLst>
-              <a:ext uri="{FF2B5EF4-FFF2-40B4-BE49-F238E27FC236}">
-                <a16:creationId xmlns:a16="http://schemas.microsoft.com/office/drawing/2014/main" xmlns="" id="{8F55F009-0A64-4649-A732-4AA6D619F1F3}"/>
-              </a:ext>
-            </a:extLst>
-          </p:cNvPr>
+            <a:endParaRPr lang="en-SG" dirty="0"/>
+          </a:p>
+        </p:txBody>
+      </p:sp>
+      <p:sp>
+        <p:nvSpPr>
+          <p:cNvPr id="6" name="Slide Number Placeholder 5"/>
           <p:cNvSpPr>
             <a:spLocks noGrp="1"/>
           </p:cNvSpPr>
@@ -521,14 +457,14 @@
               <a:rPr lang="en-SG" smtClean="0"/>
               <a:t>‹#›</a:t>
             </a:fld>
-            <a:endParaRPr lang="en-SG"/>
+            <a:endParaRPr lang="en-SG" dirty="0"/>
           </a:p>
         </p:txBody>
       </p:sp>
     </p:spTree>
     <p:extLst>
       <p:ext uri="{BB962C8B-B14F-4D97-AF65-F5344CB8AC3E}">
-        <p14:creationId xmlns:p14="http://schemas.microsoft.com/office/powerpoint/2010/main" val="2305198193"/>
+        <p14:creationId xmlns:p14="http://schemas.microsoft.com/office/powerpoint/2010/main" val="3396840467"/>
       </p:ext>
     </p:extLst>
   </p:cSld>
@@ -557,13 +493,7 @@
       </p:grpSpPr>
       <p:sp>
         <p:nvSpPr>
-          <p:cNvPr id="2" name="Vertical Title 1">
-            <a:extLst>
-              <a:ext uri="{FF2B5EF4-FFF2-40B4-BE49-F238E27FC236}">
-                <a16:creationId xmlns:a16="http://schemas.microsoft.com/office/drawing/2014/main" xmlns="" id="{F7DE9595-D7A8-4E19-B4C6-E295F978F6A4}"/>
-              </a:ext>
-            </a:extLst>
-          </p:cNvPr>
+          <p:cNvPr id="2" name="Vertical Title 1"/>
           <p:cNvSpPr>
             <a:spLocks noGrp="1"/>
           </p:cNvSpPr>
@@ -573,8 +503,8 @@
         </p:nvSpPr>
         <p:spPr>
           <a:xfrm>
-            <a:off x="8724900" y="365125"/>
-            <a:ext cx="2628900" cy="5811838"/>
+            <a:off x="10305152" y="365125"/>
+            <a:ext cx="3105046" cy="5811838"/>
           </a:xfrm>
         </p:spPr>
         <p:txBody>
@@ -585,19 +515,13 @@
               <a:rPr lang="en-US"/>
               <a:t>Click to edit Master title style</a:t>
             </a:r>
-            <a:endParaRPr lang="en-SG"/>
-          </a:p>
-        </p:txBody>
-      </p:sp>
-      <p:sp>
-        <p:nvSpPr>
-          <p:cNvPr id="3" name="Vertical Text Placeholder 2">
-            <a:extLst>
-              <a:ext uri="{FF2B5EF4-FFF2-40B4-BE49-F238E27FC236}">
-                <a16:creationId xmlns:a16="http://schemas.microsoft.com/office/drawing/2014/main" xmlns="" id="{0D2975B7-7A6D-40EA-B2F6-338022AD2BF1}"/>
-              </a:ext>
-            </a:extLst>
-          </p:cNvPr>
+            <a:endParaRPr lang="en-US" dirty="0"/>
+          </a:p>
+        </p:txBody>
+      </p:sp>
+      <p:sp>
+        <p:nvSpPr>
+          <p:cNvPr id="3" name="Vertical Text Placeholder 2"/>
           <p:cNvSpPr>
             <a:spLocks noGrp="1"/>
           </p:cNvSpPr>
@@ -607,8 +531,8 @@
         </p:nvSpPr>
         <p:spPr>
           <a:xfrm>
-            <a:off x="838200" y="365125"/>
-            <a:ext cx="7734300" cy="5811838"/>
+            <a:off x="990015" y="365125"/>
+            <a:ext cx="9135135" cy="5811838"/>
           </a:xfrm>
         </p:spPr>
         <p:txBody>
@@ -648,19 +572,13 @@
               <a:rPr lang="en-US"/>
               <a:t>Fifth level</a:t>
             </a:r>
-            <a:endParaRPr lang="en-SG"/>
-          </a:p>
-        </p:txBody>
-      </p:sp>
-      <p:sp>
-        <p:nvSpPr>
-          <p:cNvPr id="4" name="Date Placeholder 3">
-            <a:extLst>
-              <a:ext uri="{FF2B5EF4-FFF2-40B4-BE49-F238E27FC236}">
-                <a16:creationId xmlns:a16="http://schemas.microsoft.com/office/drawing/2014/main" xmlns="" id="{C8230AC3-1BED-4D2B-96D3-51C50E14A9E6}"/>
-              </a:ext>
-            </a:extLst>
-          </p:cNvPr>
+            <a:endParaRPr lang="en-US" dirty="0"/>
+          </a:p>
+        </p:txBody>
+      </p:sp>
+      <p:sp>
+        <p:nvSpPr>
+          <p:cNvPr id="4" name="Date Placeholder 3"/>
           <p:cNvSpPr>
             <a:spLocks noGrp="1"/>
           </p:cNvSpPr>
@@ -675,21 +593,15 @@
           <a:p>
             <a:fld id="{03EC4E3E-8101-482F-A883-8B55DAFF7C07}" type="datetimeFigureOut">
               <a:rPr lang="en-SG" smtClean="0"/>
-              <a:t>30/12/2017</a:t>
+              <a:t>19/3/2018</a:t>
             </a:fld>
-            <a:endParaRPr lang="en-SG"/>
-          </a:p>
-        </p:txBody>
-      </p:sp>
-      <p:sp>
-        <p:nvSpPr>
-          <p:cNvPr id="5" name="Footer Placeholder 4">
-            <a:extLst>
-              <a:ext uri="{FF2B5EF4-FFF2-40B4-BE49-F238E27FC236}">
-                <a16:creationId xmlns:a16="http://schemas.microsoft.com/office/drawing/2014/main" xmlns="" id="{4AD6CA96-231A-43AD-B530-7C509651DE3B}"/>
-              </a:ext>
-            </a:extLst>
-          </p:cNvPr>
+            <a:endParaRPr lang="en-SG" dirty="0"/>
+          </a:p>
+        </p:txBody>
+      </p:sp>
+      <p:sp>
+        <p:nvSpPr>
+          <p:cNvPr id="5" name="Footer Placeholder 4"/>
           <p:cNvSpPr>
             <a:spLocks noGrp="1"/>
           </p:cNvSpPr>
@@ -702,19 +614,13 @@
           <a:bodyPr/>
           <a:lstStyle/>
           <a:p>
-            <a:endParaRPr lang="en-SG"/>
-          </a:p>
-        </p:txBody>
-      </p:sp>
-      <p:sp>
-        <p:nvSpPr>
-          <p:cNvPr id="6" name="Slide Number Placeholder 5">
-            <a:extLst>
-              <a:ext uri="{FF2B5EF4-FFF2-40B4-BE49-F238E27FC236}">
-                <a16:creationId xmlns:a16="http://schemas.microsoft.com/office/drawing/2014/main" xmlns="" id="{12063E3B-180A-454E-A661-6CCD48D7062C}"/>
-              </a:ext>
-            </a:extLst>
-          </p:cNvPr>
+            <a:endParaRPr lang="en-SG" dirty="0"/>
+          </a:p>
+        </p:txBody>
+      </p:sp>
+      <p:sp>
+        <p:nvSpPr>
+          <p:cNvPr id="6" name="Slide Number Placeholder 5"/>
           <p:cNvSpPr>
             <a:spLocks noGrp="1"/>
           </p:cNvSpPr>
@@ -731,14 +637,14 @@
               <a:rPr lang="en-SG" smtClean="0"/>
               <a:t>‹#›</a:t>
             </a:fld>
-            <a:endParaRPr lang="en-SG"/>
+            <a:endParaRPr lang="en-SG" dirty="0"/>
           </a:p>
         </p:txBody>
       </p:sp>
     </p:spTree>
     <p:extLst>
       <p:ext uri="{BB962C8B-B14F-4D97-AF65-F5344CB8AC3E}">
-        <p14:creationId xmlns:p14="http://schemas.microsoft.com/office/powerpoint/2010/main" val="1148984362"/>
+        <p14:creationId xmlns:p14="http://schemas.microsoft.com/office/powerpoint/2010/main" val="2658838535"/>
       </p:ext>
     </p:extLst>
   </p:cSld>
@@ -767,13 +673,7 @@
       </p:grpSpPr>
       <p:sp>
         <p:nvSpPr>
-          <p:cNvPr id="2" name="Title 1">
-            <a:extLst>
-              <a:ext uri="{FF2B5EF4-FFF2-40B4-BE49-F238E27FC236}">
-                <a16:creationId xmlns:a16="http://schemas.microsoft.com/office/drawing/2014/main" xmlns="" id="{7E861C8D-BAF0-4DD9-92B9-591B272791CA}"/>
-              </a:ext>
-            </a:extLst>
-          </p:cNvPr>
+          <p:cNvPr id="2" name="Title 1"/>
           <p:cNvSpPr>
             <a:spLocks noGrp="1"/>
           </p:cNvSpPr>
@@ -790,19 +690,13 @@
               <a:rPr lang="en-US"/>
               <a:t>Click to edit Master title style</a:t>
             </a:r>
-            <a:endParaRPr lang="en-SG"/>
-          </a:p>
-        </p:txBody>
-      </p:sp>
-      <p:sp>
-        <p:nvSpPr>
-          <p:cNvPr id="3" name="Content Placeholder 2">
-            <a:extLst>
-              <a:ext uri="{FF2B5EF4-FFF2-40B4-BE49-F238E27FC236}">
-                <a16:creationId xmlns:a16="http://schemas.microsoft.com/office/drawing/2014/main" xmlns="" id="{534DA4BD-1D78-446B-B79F-C1229642DDEB}"/>
-              </a:ext>
-            </a:extLst>
-          </p:cNvPr>
+            <a:endParaRPr lang="en-US" dirty="0"/>
+          </a:p>
+        </p:txBody>
+      </p:sp>
+      <p:sp>
+        <p:nvSpPr>
+          <p:cNvPr id="3" name="Content Placeholder 2"/>
           <p:cNvSpPr>
             <a:spLocks noGrp="1"/>
           </p:cNvSpPr>
@@ -848,19 +742,13 @@
               <a:rPr lang="en-US"/>
               <a:t>Fifth level</a:t>
             </a:r>
-            <a:endParaRPr lang="en-SG"/>
-          </a:p>
-        </p:txBody>
-      </p:sp>
-      <p:sp>
-        <p:nvSpPr>
-          <p:cNvPr id="4" name="Date Placeholder 3">
-            <a:extLst>
-              <a:ext uri="{FF2B5EF4-FFF2-40B4-BE49-F238E27FC236}">
-                <a16:creationId xmlns:a16="http://schemas.microsoft.com/office/drawing/2014/main" xmlns="" id="{AD6BEDB5-7B62-4953-BECB-7F7F3E909CAC}"/>
-              </a:ext>
-            </a:extLst>
-          </p:cNvPr>
+            <a:endParaRPr lang="en-US" dirty="0"/>
+          </a:p>
+        </p:txBody>
+      </p:sp>
+      <p:sp>
+        <p:nvSpPr>
+          <p:cNvPr id="4" name="Date Placeholder 3"/>
           <p:cNvSpPr>
             <a:spLocks noGrp="1"/>
           </p:cNvSpPr>
@@ -875,21 +763,15 @@
           <a:p>
             <a:fld id="{03EC4E3E-8101-482F-A883-8B55DAFF7C07}" type="datetimeFigureOut">
               <a:rPr lang="en-SG" smtClean="0"/>
-              <a:t>30/12/2017</a:t>
+              <a:t>19/3/2018</a:t>
             </a:fld>
-            <a:endParaRPr lang="en-SG"/>
-          </a:p>
-        </p:txBody>
-      </p:sp>
-      <p:sp>
-        <p:nvSpPr>
-          <p:cNvPr id="5" name="Footer Placeholder 4">
-            <a:extLst>
-              <a:ext uri="{FF2B5EF4-FFF2-40B4-BE49-F238E27FC236}">
-                <a16:creationId xmlns:a16="http://schemas.microsoft.com/office/drawing/2014/main" xmlns="" id="{349CD732-2DD1-42BE-8480-5C6507018294}"/>
-              </a:ext>
-            </a:extLst>
-          </p:cNvPr>
+            <a:endParaRPr lang="en-SG" dirty="0"/>
+          </a:p>
+        </p:txBody>
+      </p:sp>
+      <p:sp>
+        <p:nvSpPr>
+          <p:cNvPr id="5" name="Footer Placeholder 4"/>
           <p:cNvSpPr>
             <a:spLocks noGrp="1"/>
           </p:cNvSpPr>
@@ -902,19 +784,13 @@
           <a:bodyPr/>
           <a:lstStyle/>
           <a:p>
-            <a:endParaRPr lang="en-SG"/>
-          </a:p>
-        </p:txBody>
-      </p:sp>
-      <p:sp>
-        <p:nvSpPr>
-          <p:cNvPr id="6" name="Slide Number Placeholder 5">
-            <a:extLst>
-              <a:ext uri="{FF2B5EF4-FFF2-40B4-BE49-F238E27FC236}">
-                <a16:creationId xmlns:a16="http://schemas.microsoft.com/office/drawing/2014/main" xmlns="" id="{574C27E0-F36A-4438-9402-C2CB0377D92D}"/>
-              </a:ext>
-            </a:extLst>
-          </p:cNvPr>
+            <a:endParaRPr lang="en-SG" dirty="0"/>
+          </a:p>
+        </p:txBody>
+      </p:sp>
+      <p:sp>
+        <p:nvSpPr>
+          <p:cNvPr id="6" name="Slide Number Placeholder 5"/>
           <p:cNvSpPr>
             <a:spLocks noGrp="1"/>
           </p:cNvSpPr>
@@ -931,14 +807,14 @@
               <a:rPr lang="en-SG" smtClean="0"/>
               <a:t>‹#›</a:t>
             </a:fld>
-            <a:endParaRPr lang="en-SG"/>
+            <a:endParaRPr lang="en-SG" dirty="0"/>
           </a:p>
         </p:txBody>
       </p:sp>
     </p:spTree>
     <p:extLst>
       <p:ext uri="{BB962C8B-B14F-4D97-AF65-F5344CB8AC3E}">
-        <p14:creationId xmlns:p14="http://schemas.microsoft.com/office/powerpoint/2010/main" val="111561436"/>
+        <p14:creationId xmlns:p14="http://schemas.microsoft.com/office/powerpoint/2010/main" val="1277138232"/>
       </p:ext>
     </p:extLst>
   </p:cSld>
@@ -967,13 +843,7 @@
       </p:grpSpPr>
       <p:sp>
         <p:nvSpPr>
-          <p:cNvPr id="2" name="Title 1">
-            <a:extLst>
-              <a:ext uri="{FF2B5EF4-FFF2-40B4-BE49-F238E27FC236}">
-                <a16:creationId xmlns:a16="http://schemas.microsoft.com/office/drawing/2014/main" xmlns="" id="{80A42FFA-8A45-40F8-9C5C-9906971B38AB}"/>
-              </a:ext>
-            </a:extLst>
-          </p:cNvPr>
+          <p:cNvPr id="2" name="Title 1"/>
           <p:cNvSpPr>
             <a:spLocks noGrp="1"/>
           </p:cNvSpPr>
@@ -983,8 +853,8 @@
         </p:nvSpPr>
         <p:spPr>
           <a:xfrm>
-            <a:off x="831850" y="1709738"/>
-            <a:ext cx="10515600" cy="2852737"/>
+            <a:off x="982514" y="1709739"/>
+            <a:ext cx="12420184" cy="2852737"/>
           </a:xfrm>
         </p:spPr>
         <p:txBody>
@@ -999,19 +869,13 @@
               <a:rPr lang="en-US"/>
               <a:t>Click to edit Master title style</a:t>
             </a:r>
-            <a:endParaRPr lang="en-SG"/>
-          </a:p>
-        </p:txBody>
-      </p:sp>
-      <p:sp>
-        <p:nvSpPr>
-          <p:cNvPr id="3" name="Text Placeholder 2">
-            <a:extLst>
-              <a:ext uri="{FF2B5EF4-FFF2-40B4-BE49-F238E27FC236}">
-                <a16:creationId xmlns:a16="http://schemas.microsoft.com/office/drawing/2014/main" xmlns="" id="{7D8879A7-8225-4473-B738-B780B6224EC5}"/>
-              </a:ext>
-            </a:extLst>
-          </p:cNvPr>
+            <a:endParaRPr lang="en-US" dirty="0"/>
+          </a:p>
+        </p:txBody>
+      </p:sp>
+      <p:sp>
+        <p:nvSpPr>
+          <p:cNvPr id="3" name="Text Placeholder 2"/>
           <p:cNvSpPr>
             <a:spLocks noGrp="1"/>
           </p:cNvSpPr>
@@ -1021,8 +885,8 @@
         </p:nvSpPr>
         <p:spPr>
           <a:xfrm>
-            <a:off x="831850" y="4589463"/>
-            <a:ext cx="10515600" cy="1500187"/>
+            <a:off x="982514" y="4589464"/>
+            <a:ext cx="12420184" cy="1500187"/>
           </a:xfrm>
         </p:spPr>
         <p:txBody>
@@ -1130,13 +994,7 @@
       </p:sp>
       <p:sp>
         <p:nvSpPr>
-          <p:cNvPr id="4" name="Date Placeholder 3">
-            <a:extLst>
-              <a:ext uri="{FF2B5EF4-FFF2-40B4-BE49-F238E27FC236}">
-                <a16:creationId xmlns:a16="http://schemas.microsoft.com/office/drawing/2014/main" xmlns="" id="{6CF7978C-FE65-4091-9152-E33029C12AEA}"/>
-              </a:ext>
-            </a:extLst>
-          </p:cNvPr>
+          <p:cNvPr id="4" name="Date Placeholder 3"/>
           <p:cNvSpPr>
             <a:spLocks noGrp="1"/>
           </p:cNvSpPr>
@@ -1151,21 +1009,15 @@
           <a:p>
             <a:fld id="{03EC4E3E-8101-482F-A883-8B55DAFF7C07}" type="datetimeFigureOut">
               <a:rPr lang="en-SG" smtClean="0"/>
-              <a:t>30/12/2017</a:t>
+              <a:t>19/3/2018</a:t>
             </a:fld>
-            <a:endParaRPr lang="en-SG"/>
-          </a:p>
-        </p:txBody>
-      </p:sp>
-      <p:sp>
-        <p:nvSpPr>
-          <p:cNvPr id="5" name="Footer Placeholder 4">
-            <a:extLst>
-              <a:ext uri="{FF2B5EF4-FFF2-40B4-BE49-F238E27FC236}">
-                <a16:creationId xmlns:a16="http://schemas.microsoft.com/office/drawing/2014/main" xmlns="" id="{B344C9CC-480F-4DCB-AC70-D7A4CCA0B8B7}"/>
-              </a:ext>
-            </a:extLst>
-          </p:cNvPr>
+            <a:endParaRPr lang="en-SG" dirty="0"/>
+          </a:p>
+        </p:txBody>
+      </p:sp>
+      <p:sp>
+        <p:nvSpPr>
+          <p:cNvPr id="5" name="Footer Placeholder 4"/>
           <p:cNvSpPr>
             <a:spLocks noGrp="1"/>
           </p:cNvSpPr>
@@ -1178,19 +1030,13 @@
           <a:bodyPr/>
           <a:lstStyle/>
           <a:p>
-            <a:endParaRPr lang="en-SG"/>
-          </a:p>
-        </p:txBody>
-      </p:sp>
-      <p:sp>
-        <p:nvSpPr>
-          <p:cNvPr id="6" name="Slide Number Placeholder 5">
-            <a:extLst>
-              <a:ext uri="{FF2B5EF4-FFF2-40B4-BE49-F238E27FC236}">
-                <a16:creationId xmlns:a16="http://schemas.microsoft.com/office/drawing/2014/main" xmlns="" id="{8F5A07EC-843A-4ED9-8F1C-AD703CA36D58}"/>
-              </a:ext>
-            </a:extLst>
-          </p:cNvPr>
+            <a:endParaRPr lang="en-SG" dirty="0"/>
+          </a:p>
+        </p:txBody>
+      </p:sp>
+      <p:sp>
+        <p:nvSpPr>
+          <p:cNvPr id="6" name="Slide Number Placeholder 5"/>
           <p:cNvSpPr>
             <a:spLocks noGrp="1"/>
           </p:cNvSpPr>
@@ -1207,14 +1053,14 @@
               <a:rPr lang="en-SG" smtClean="0"/>
               <a:t>‹#›</a:t>
             </a:fld>
-            <a:endParaRPr lang="en-SG"/>
+            <a:endParaRPr lang="en-SG" dirty="0"/>
           </a:p>
         </p:txBody>
       </p:sp>
     </p:spTree>
     <p:extLst>
       <p:ext uri="{BB962C8B-B14F-4D97-AF65-F5344CB8AC3E}">
-        <p14:creationId xmlns:p14="http://schemas.microsoft.com/office/powerpoint/2010/main" val="2217340100"/>
+        <p14:creationId xmlns:p14="http://schemas.microsoft.com/office/powerpoint/2010/main" val="2958930049"/>
       </p:ext>
     </p:extLst>
   </p:cSld>
@@ -1243,13 +1089,7 @@
       </p:grpSpPr>
       <p:sp>
         <p:nvSpPr>
-          <p:cNvPr id="2" name="Title 1">
-            <a:extLst>
-              <a:ext uri="{FF2B5EF4-FFF2-40B4-BE49-F238E27FC236}">
-                <a16:creationId xmlns:a16="http://schemas.microsoft.com/office/drawing/2014/main" xmlns="" id="{056EE2DA-07D9-4774-A8CA-0CA247F8C72A}"/>
-              </a:ext>
-            </a:extLst>
-          </p:cNvPr>
+          <p:cNvPr id="2" name="Title 1"/>
           <p:cNvSpPr>
             <a:spLocks noGrp="1"/>
           </p:cNvSpPr>
@@ -1266,19 +1106,13 @@
               <a:rPr lang="en-US"/>
               <a:t>Click to edit Master title style</a:t>
             </a:r>
-            <a:endParaRPr lang="en-SG"/>
-          </a:p>
-        </p:txBody>
-      </p:sp>
-      <p:sp>
-        <p:nvSpPr>
-          <p:cNvPr id="3" name="Content Placeholder 2">
-            <a:extLst>
-              <a:ext uri="{FF2B5EF4-FFF2-40B4-BE49-F238E27FC236}">
-                <a16:creationId xmlns:a16="http://schemas.microsoft.com/office/drawing/2014/main" xmlns="" id="{3CF93A59-4E25-4FFA-8796-AA06EF3E5C3E}"/>
-              </a:ext>
-            </a:extLst>
-          </p:cNvPr>
+            <a:endParaRPr lang="en-US" dirty="0"/>
+          </a:p>
+        </p:txBody>
+      </p:sp>
+      <p:sp>
+        <p:nvSpPr>
+          <p:cNvPr id="3" name="Content Placeholder 2"/>
           <p:cNvSpPr>
             <a:spLocks noGrp="1"/>
           </p:cNvSpPr>
@@ -1288,8 +1122,8 @@
         </p:nvSpPr>
         <p:spPr>
           <a:xfrm>
-            <a:off x="838200" y="1825625"/>
-            <a:ext cx="5181600" cy="4351338"/>
+            <a:off x="990014" y="1825625"/>
+            <a:ext cx="6120091" cy="4351338"/>
           </a:xfrm>
         </p:spPr>
         <p:txBody>
@@ -1329,19 +1163,13 @@
               <a:rPr lang="en-US"/>
               <a:t>Fifth level</a:t>
             </a:r>
-            <a:endParaRPr lang="en-SG"/>
-          </a:p>
-        </p:txBody>
-      </p:sp>
-      <p:sp>
-        <p:nvSpPr>
-          <p:cNvPr id="4" name="Content Placeholder 3">
-            <a:extLst>
-              <a:ext uri="{FF2B5EF4-FFF2-40B4-BE49-F238E27FC236}">
-                <a16:creationId xmlns:a16="http://schemas.microsoft.com/office/drawing/2014/main" xmlns="" id="{81373B10-E346-4893-AFEE-65E014405E2D}"/>
-              </a:ext>
-            </a:extLst>
-          </p:cNvPr>
+            <a:endParaRPr lang="en-US" dirty="0"/>
+          </a:p>
+        </p:txBody>
+      </p:sp>
+      <p:sp>
+        <p:nvSpPr>
+          <p:cNvPr id="4" name="Content Placeholder 3"/>
           <p:cNvSpPr>
             <a:spLocks noGrp="1"/>
           </p:cNvSpPr>
@@ -1351,8 +1179,8 @@
         </p:nvSpPr>
         <p:spPr>
           <a:xfrm>
-            <a:off x="6172200" y="1825625"/>
-            <a:ext cx="5181600" cy="4351338"/>
+            <a:off x="7290108" y="1825625"/>
+            <a:ext cx="6120091" cy="4351338"/>
           </a:xfrm>
         </p:spPr>
         <p:txBody>
@@ -1392,19 +1220,13 @@
               <a:rPr lang="en-US"/>
               <a:t>Fifth level</a:t>
             </a:r>
-            <a:endParaRPr lang="en-SG"/>
-          </a:p>
-        </p:txBody>
-      </p:sp>
-      <p:sp>
-        <p:nvSpPr>
-          <p:cNvPr id="5" name="Date Placeholder 4">
-            <a:extLst>
-              <a:ext uri="{FF2B5EF4-FFF2-40B4-BE49-F238E27FC236}">
-                <a16:creationId xmlns:a16="http://schemas.microsoft.com/office/drawing/2014/main" xmlns="" id="{D9C411A1-6D64-4C63-A758-5D2FEE677F45}"/>
-              </a:ext>
-            </a:extLst>
-          </p:cNvPr>
+            <a:endParaRPr lang="en-US" dirty="0"/>
+          </a:p>
+        </p:txBody>
+      </p:sp>
+      <p:sp>
+        <p:nvSpPr>
+          <p:cNvPr id="5" name="Date Placeholder 4"/>
           <p:cNvSpPr>
             <a:spLocks noGrp="1"/>
           </p:cNvSpPr>
@@ -1419,21 +1241,15 @@
           <a:p>
             <a:fld id="{03EC4E3E-8101-482F-A883-8B55DAFF7C07}" type="datetimeFigureOut">
               <a:rPr lang="en-SG" smtClean="0"/>
-              <a:t>30/12/2017</a:t>
+              <a:t>19/3/2018</a:t>
             </a:fld>
-            <a:endParaRPr lang="en-SG"/>
-          </a:p>
-        </p:txBody>
-      </p:sp>
-      <p:sp>
-        <p:nvSpPr>
-          <p:cNvPr id="6" name="Footer Placeholder 5">
-            <a:extLst>
-              <a:ext uri="{FF2B5EF4-FFF2-40B4-BE49-F238E27FC236}">
-                <a16:creationId xmlns:a16="http://schemas.microsoft.com/office/drawing/2014/main" xmlns="" id="{8D9C2E46-644C-4155-A697-764A7A0AB1F4}"/>
-              </a:ext>
-            </a:extLst>
-          </p:cNvPr>
+            <a:endParaRPr lang="en-SG" dirty="0"/>
+          </a:p>
+        </p:txBody>
+      </p:sp>
+      <p:sp>
+        <p:nvSpPr>
+          <p:cNvPr id="6" name="Footer Placeholder 5"/>
           <p:cNvSpPr>
             <a:spLocks noGrp="1"/>
           </p:cNvSpPr>
@@ -1446,19 +1262,13 @@
           <a:bodyPr/>
           <a:lstStyle/>
           <a:p>
-            <a:endParaRPr lang="en-SG"/>
-          </a:p>
-        </p:txBody>
-      </p:sp>
-      <p:sp>
-        <p:nvSpPr>
-          <p:cNvPr id="7" name="Slide Number Placeholder 6">
-            <a:extLst>
-              <a:ext uri="{FF2B5EF4-FFF2-40B4-BE49-F238E27FC236}">
-                <a16:creationId xmlns:a16="http://schemas.microsoft.com/office/drawing/2014/main" xmlns="" id="{6192DEDD-6479-45E4-B1F5-6EDD41BBB103}"/>
-              </a:ext>
-            </a:extLst>
-          </p:cNvPr>
+            <a:endParaRPr lang="en-SG" dirty="0"/>
+          </a:p>
+        </p:txBody>
+      </p:sp>
+      <p:sp>
+        <p:nvSpPr>
+          <p:cNvPr id="7" name="Slide Number Placeholder 6"/>
           <p:cNvSpPr>
             <a:spLocks noGrp="1"/>
           </p:cNvSpPr>
@@ -1475,14 +1285,14 @@
               <a:rPr lang="en-SG" smtClean="0"/>
               <a:t>‹#›</a:t>
             </a:fld>
-            <a:endParaRPr lang="en-SG"/>
+            <a:endParaRPr lang="en-SG" dirty="0"/>
           </a:p>
         </p:txBody>
       </p:sp>
     </p:spTree>
     <p:extLst>
       <p:ext uri="{BB962C8B-B14F-4D97-AF65-F5344CB8AC3E}">
-        <p14:creationId xmlns:p14="http://schemas.microsoft.com/office/powerpoint/2010/main" val="1298304602"/>
+        <p14:creationId xmlns:p14="http://schemas.microsoft.com/office/powerpoint/2010/main" val="446830323"/>
       </p:ext>
     </p:extLst>
   </p:cSld>
@@ -1511,13 +1321,7 @@
       </p:grpSpPr>
       <p:sp>
         <p:nvSpPr>
-          <p:cNvPr id="2" name="Title 1">
-            <a:extLst>
-              <a:ext uri="{FF2B5EF4-FFF2-40B4-BE49-F238E27FC236}">
-                <a16:creationId xmlns:a16="http://schemas.microsoft.com/office/drawing/2014/main" xmlns="" id="{DC0ED888-63EF-4CC0-8500-9C8DB672FEC2}"/>
-              </a:ext>
-            </a:extLst>
-          </p:cNvPr>
+          <p:cNvPr id="2" name="Title 1"/>
           <p:cNvSpPr>
             <a:spLocks noGrp="1"/>
           </p:cNvSpPr>
@@ -1527,8 +1331,8 @@
         </p:nvSpPr>
         <p:spPr>
           <a:xfrm>
-            <a:off x="839788" y="365125"/>
-            <a:ext cx="10515600" cy="1325563"/>
+            <a:off x="991890" y="365126"/>
+            <a:ext cx="12420184" cy="1325563"/>
           </a:xfrm>
         </p:spPr>
         <p:txBody>
@@ -1539,19 +1343,13 @@
               <a:rPr lang="en-US"/>
               <a:t>Click to edit Master title style</a:t>
             </a:r>
-            <a:endParaRPr lang="en-SG"/>
-          </a:p>
-        </p:txBody>
-      </p:sp>
-      <p:sp>
-        <p:nvSpPr>
-          <p:cNvPr id="3" name="Text Placeholder 2">
-            <a:extLst>
-              <a:ext uri="{FF2B5EF4-FFF2-40B4-BE49-F238E27FC236}">
-                <a16:creationId xmlns:a16="http://schemas.microsoft.com/office/drawing/2014/main" xmlns="" id="{3C33BC1E-FB79-4906-A967-9C7046C6D272}"/>
-              </a:ext>
-            </a:extLst>
-          </p:cNvPr>
+            <a:endParaRPr lang="en-US" dirty="0"/>
+          </a:p>
+        </p:txBody>
+      </p:sp>
+      <p:sp>
+        <p:nvSpPr>
+          <p:cNvPr id="3" name="Text Placeholder 2"/>
           <p:cNvSpPr>
             <a:spLocks noGrp="1"/>
           </p:cNvSpPr>
@@ -1561,8 +1359,8 @@
         </p:nvSpPr>
         <p:spPr>
           <a:xfrm>
-            <a:off x="839788" y="1681163"/>
-            <a:ext cx="5157787" cy="823912"/>
+            <a:off x="991891" y="1681163"/>
+            <a:ext cx="6091965" cy="823912"/>
           </a:xfrm>
         </p:spPr>
         <p:txBody>
@@ -1616,13 +1414,7 @@
       </p:sp>
       <p:sp>
         <p:nvSpPr>
-          <p:cNvPr id="4" name="Content Placeholder 3">
-            <a:extLst>
-              <a:ext uri="{FF2B5EF4-FFF2-40B4-BE49-F238E27FC236}">
-                <a16:creationId xmlns:a16="http://schemas.microsoft.com/office/drawing/2014/main" xmlns="" id="{697A4EC6-1C42-4BA4-8108-32579276C17B}"/>
-              </a:ext>
-            </a:extLst>
-          </p:cNvPr>
+          <p:cNvPr id="4" name="Content Placeholder 3"/>
           <p:cNvSpPr>
             <a:spLocks noGrp="1"/>
           </p:cNvSpPr>
@@ -1632,8 +1424,8 @@
         </p:nvSpPr>
         <p:spPr>
           <a:xfrm>
-            <a:off x="839788" y="2505075"/>
-            <a:ext cx="5157787" cy="3684588"/>
+            <a:off x="991891" y="2505075"/>
+            <a:ext cx="6091965" cy="3684588"/>
           </a:xfrm>
         </p:spPr>
         <p:txBody>
@@ -1673,19 +1465,13 @@
               <a:rPr lang="en-US"/>
               <a:t>Fifth level</a:t>
             </a:r>
-            <a:endParaRPr lang="en-SG"/>
-          </a:p>
-        </p:txBody>
-      </p:sp>
-      <p:sp>
-        <p:nvSpPr>
-          <p:cNvPr id="5" name="Text Placeholder 4">
-            <a:extLst>
-              <a:ext uri="{FF2B5EF4-FFF2-40B4-BE49-F238E27FC236}">
-                <a16:creationId xmlns:a16="http://schemas.microsoft.com/office/drawing/2014/main" xmlns="" id="{8A2CA209-B9F5-4E1E-B302-74CC2D4CFDFB}"/>
-              </a:ext>
-            </a:extLst>
-          </p:cNvPr>
+            <a:endParaRPr lang="en-US" dirty="0"/>
+          </a:p>
+        </p:txBody>
+      </p:sp>
+      <p:sp>
+        <p:nvSpPr>
+          <p:cNvPr id="5" name="Text Placeholder 4"/>
           <p:cNvSpPr>
             <a:spLocks noGrp="1"/>
           </p:cNvSpPr>
@@ -1695,8 +1481,8 @@
         </p:nvSpPr>
         <p:spPr>
           <a:xfrm>
-            <a:off x="6172200" y="1681163"/>
-            <a:ext cx="5183188" cy="823912"/>
+            <a:off x="7290108" y="1681163"/>
+            <a:ext cx="6121966" cy="823912"/>
           </a:xfrm>
         </p:spPr>
         <p:txBody>
@@ -1750,13 +1536,7 @@
       </p:sp>
       <p:sp>
         <p:nvSpPr>
-          <p:cNvPr id="6" name="Content Placeholder 5">
-            <a:extLst>
-              <a:ext uri="{FF2B5EF4-FFF2-40B4-BE49-F238E27FC236}">
-                <a16:creationId xmlns:a16="http://schemas.microsoft.com/office/drawing/2014/main" xmlns="" id="{0E6E876D-DC4D-40EE-BA38-CD01089602CF}"/>
-              </a:ext>
-            </a:extLst>
-          </p:cNvPr>
+          <p:cNvPr id="6" name="Content Placeholder 5"/>
           <p:cNvSpPr>
             <a:spLocks noGrp="1"/>
           </p:cNvSpPr>
@@ -1766,8 +1546,8 @@
         </p:nvSpPr>
         <p:spPr>
           <a:xfrm>
-            <a:off x="6172200" y="2505075"/>
-            <a:ext cx="5183188" cy="3684588"/>
+            <a:off x="7290108" y="2505075"/>
+            <a:ext cx="6121966" cy="3684588"/>
           </a:xfrm>
         </p:spPr>
         <p:txBody>
@@ -1807,19 +1587,13 @@
               <a:rPr lang="en-US"/>
               <a:t>Fifth level</a:t>
             </a:r>
-            <a:endParaRPr lang="en-SG"/>
-          </a:p>
-        </p:txBody>
-      </p:sp>
-      <p:sp>
-        <p:nvSpPr>
-          <p:cNvPr id="7" name="Date Placeholder 6">
-            <a:extLst>
-              <a:ext uri="{FF2B5EF4-FFF2-40B4-BE49-F238E27FC236}">
-                <a16:creationId xmlns:a16="http://schemas.microsoft.com/office/drawing/2014/main" xmlns="" id="{F24E1D97-8B3C-41A1-B0BA-BA833AD8BC7C}"/>
-              </a:ext>
-            </a:extLst>
-          </p:cNvPr>
+            <a:endParaRPr lang="en-US" dirty="0"/>
+          </a:p>
+        </p:txBody>
+      </p:sp>
+      <p:sp>
+        <p:nvSpPr>
+          <p:cNvPr id="7" name="Date Placeholder 6"/>
           <p:cNvSpPr>
             <a:spLocks noGrp="1"/>
           </p:cNvSpPr>
@@ -1834,21 +1608,15 @@
           <a:p>
             <a:fld id="{03EC4E3E-8101-482F-A883-8B55DAFF7C07}" type="datetimeFigureOut">
               <a:rPr lang="en-SG" smtClean="0"/>
-              <a:t>30/12/2017</a:t>
+              <a:t>19/3/2018</a:t>
             </a:fld>
-            <a:endParaRPr lang="en-SG"/>
-          </a:p>
-        </p:txBody>
-      </p:sp>
-      <p:sp>
-        <p:nvSpPr>
-          <p:cNvPr id="8" name="Footer Placeholder 7">
-            <a:extLst>
-              <a:ext uri="{FF2B5EF4-FFF2-40B4-BE49-F238E27FC236}">
-                <a16:creationId xmlns:a16="http://schemas.microsoft.com/office/drawing/2014/main" xmlns="" id="{FC358D8F-B7DA-4DCE-AC8F-706450EEC0DC}"/>
-              </a:ext>
-            </a:extLst>
-          </p:cNvPr>
+            <a:endParaRPr lang="en-SG" dirty="0"/>
+          </a:p>
+        </p:txBody>
+      </p:sp>
+      <p:sp>
+        <p:nvSpPr>
+          <p:cNvPr id="8" name="Footer Placeholder 7"/>
           <p:cNvSpPr>
             <a:spLocks noGrp="1"/>
           </p:cNvSpPr>
@@ -1861,19 +1629,13 @@
           <a:bodyPr/>
           <a:lstStyle/>
           <a:p>
-            <a:endParaRPr lang="en-SG"/>
-          </a:p>
-        </p:txBody>
-      </p:sp>
-      <p:sp>
-        <p:nvSpPr>
-          <p:cNvPr id="9" name="Slide Number Placeholder 8">
-            <a:extLst>
-              <a:ext uri="{FF2B5EF4-FFF2-40B4-BE49-F238E27FC236}">
-                <a16:creationId xmlns:a16="http://schemas.microsoft.com/office/drawing/2014/main" xmlns="" id="{40CE354E-2C73-4B6F-8AEB-14D1378A77E1}"/>
-              </a:ext>
-            </a:extLst>
-          </p:cNvPr>
+            <a:endParaRPr lang="en-SG" dirty="0"/>
+          </a:p>
+        </p:txBody>
+      </p:sp>
+      <p:sp>
+        <p:nvSpPr>
+          <p:cNvPr id="9" name="Slide Number Placeholder 8"/>
           <p:cNvSpPr>
             <a:spLocks noGrp="1"/>
           </p:cNvSpPr>
@@ -1890,14 +1652,14 @@
               <a:rPr lang="en-SG" smtClean="0"/>
               <a:t>‹#›</a:t>
             </a:fld>
-            <a:endParaRPr lang="en-SG"/>
+            <a:endParaRPr lang="en-SG" dirty="0"/>
           </a:p>
         </p:txBody>
       </p:sp>
     </p:spTree>
     <p:extLst>
       <p:ext uri="{BB962C8B-B14F-4D97-AF65-F5344CB8AC3E}">
-        <p14:creationId xmlns:p14="http://schemas.microsoft.com/office/powerpoint/2010/main" val="937260254"/>
+        <p14:creationId xmlns:p14="http://schemas.microsoft.com/office/powerpoint/2010/main" val="3483937604"/>
       </p:ext>
     </p:extLst>
   </p:cSld>
@@ -1926,13 +1688,7 @@
       </p:grpSpPr>
       <p:sp>
         <p:nvSpPr>
-          <p:cNvPr id="2" name="Title 1">
-            <a:extLst>
-              <a:ext uri="{FF2B5EF4-FFF2-40B4-BE49-F238E27FC236}">
-                <a16:creationId xmlns:a16="http://schemas.microsoft.com/office/drawing/2014/main" xmlns="" id="{17D9D381-288C-43FB-86C2-AAA4FCFD43FD}"/>
-              </a:ext>
-            </a:extLst>
-          </p:cNvPr>
+          <p:cNvPr id="2" name="Title 1"/>
           <p:cNvSpPr>
             <a:spLocks noGrp="1"/>
           </p:cNvSpPr>
@@ -1949,19 +1705,13 @@
               <a:rPr lang="en-US"/>
               <a:t>Click to edit Master title style</a:t>
             </a:r>
-            <a:endParaRPr lang="en-SG"/>
-          </a:p>
-        </p:txBody>
-      </p:sp>
-      <p:sp>
-        <p:nvSpPr>
-          <p:cNvPr id="3" name="Date Placeholder 2">
-            <a:extLst>
-              <a:ext uri="{FF2B5EF4-FFF2-40B4-BE49-F238E27FC236}">
-                <a16:creationId xmlns:a16="http://schemas.microsoft.com/office/drawing/2014/main" xmlns="" id="{A85D75E5-4830-4F75-8132-91122609F925}"/>
-              </a:ext>
-            </a:extLst>
-          </p:cNvPr>
+            <a:endParaRPr lang="en-US" dirty="0"/>
+          </a:p>
+        </p:txBody>
+      </p:sp>
+      <p:sp>
+        <p:nvSpPr>
+          <p:cNvPr id="3" name="Date Placeholder 2"/>
           <p:cNvSpPr>
             <a:spLocks noGrp="1"/>
           </p:cNvSpPr>
@@ -1976,21 +1726,15 @@
           <a:p>
             <a:fld id="{03EC4E3E-8101-482F-A883-8B55DAFF7C07}" type="datetimeFigureOut">
               <a:rPr lang="en-SG" smtClean="0"/>
-              <a:t>30/12/2017</a:t>
+              <a:t>19/3/2018</a:t>
             </a:fld>
-            <a:endParaRPr lang="en-SG"/>
-          </a:p>
-        </p:txBody>
-      </p:sp>
-      <p:sp>
-        <p:nvSpPr>
-          <p:cNvPr id="4" name="Footer Placeholder 3">
-            <a:extLst>
-              <a:ext uri="{FF2B5EF4-FFF2-40B4-BE49-F238E27FC236}">
-                <a16:creationId xmlns:a16="http://schemas.microsoft.com/office/drawing/2014/main" xmlns="" id="{0C14A42C-834F-43EA-8053-84D5A665CEE7}"/>
-              </a:ext>
-            </a:extLst>
-          </p:cNvPr>
+            <a:endParaRPr lang="en-SG" dirty="0"/>
+          </a:p>
+        </p:txBody>
+      </p:sp>
+      <p:sp>
+        <p:nvSpPr>
+          <p:cNvPr id="4" name="Footer Placeholder 3"/>
           <p:cNvSpPr>
             <a:spLocks noGrp="1"/>
           </p:cNvSpPr>
@@ -2003,19 +1747,13 @@
           <a:bodyPr/>
           <a:lstStyle/>
           <a:p>
-            <a:endParaRPr lang="en-SG"/>
-          </a:p>
-        </p:txBody>
-      </p:sp>
-      <p:sp>
-        <p:nvSpPr>
-          <p:cNvPr id="5" name="Slide Number Placeholder 4">
-            <a:extLst>
-              <a:ext uri="{FF2B5EF4-FFF2-40B4-BE49-F238E27FC236}">
-                <a16:creationId xmlns:a16="http://schemas.microsoft.com/office/drawing/2014/main" xmlns="" id="{38C1E789-CDA9-48FF-A7BA-F21E31600226}"/>
-              </a:ext>
-            </a:extLst>
-          </p:cNvPr>
+            <a:endParaRPr lang="en-SG" dirty="0"/>
+          </a:p>
+        </p:txBody>
+      </p:sp>
+      <p:sp>
+        <p:nvSpPr>
+          <p:cNvPr id="5" name="Slide Number Placeholder 4"/>
           <p:cNvSpPr>
             <a:spLocks noGrp="1"/>
           </p:cNvSpPr>
@@ -2032,14 +1770,14 @@
               <a:rPr lang="en-SG" smtClean="0"/>
               <a:t>‹#›</a:t>
             </a:fld>
-            <a:endParaRPr lang="en-SG"/>
+            <a:endParaRPr lang="en-SG" dirty="0"/>
           </a:p>
         </p:txBody>
       </p:sp>
     </p:spTree>
     <p:extLst>
       <p:ext uri="{BB962C8B-B14F-4D97-AF65-F5344CB8AC3E}">
-        <p14:creationId xmlns:p14="http://schemas.microsoft.com/office/powerpoint/2010/main" val="2713172575"/>
+        <p14:creationId xmlns:p14="http://schemas.microsoft.com/office/powerpoint/2010/main" val="2116825906"/>
       </p:ext>
     </p:extLst>
   </p:cSld>
@@ -2068,13 +1806,7 @@
       </p:grpSpPr>
       <p:sp>
         <p:nvSpPr>
-          <p:cNvPr id="2" name="Date Placeholder 1">
-            <a:extLst>
-              <a:ext uri="{FF2B5EF4-FFF2-40B4-BE49-F238E27FC236}">
-                <a16:creationId xmlns:a16="http://schemas.microsoft.com/office/drawing/2014/main" xmlns="" id="{21A40ECD-0ABD-4F35-B481-512A01FC643D}"/>
-              </a:ext>
-            </a:extLst>
-          </p:cNvPr>
+          <p:cNvPr id="2" name="Date Placeholder 1"/>
           <p:cNvSpPr>
             <a:spLocks noGrp="1"/>
           </p:cNvSpPr>
@@ -2089,21 +1821,15 @@
           <a:p>
             <a:fld id="{03EC4E3E-8101-482F-A883-8B55DAFF7C07}" type="datetimeFigureOut">
               <a:rPr lang="en-SG" smtClean="0"/>
-              <a:t>30/12/2017</a:t>
+              <a:t>19/3/2018</a:t>
             </a:fld>
-            <a:endParaRPr lang="en-SG"/>
-          </a:p>
-        </p:txBody>
-      </p:sp>
-      <p:sp>
-        <p:nvSpPr>
-          <p:cNvPr id="3" name="Footer Placeholder 2">
-            <a:extLst>
-              <a:ext uri="{FF2B5EF4-FFF2-40B4-BE49-F238E27FC236}">
-                <a16:creationId xmlns:a16="http://schemas.microsoft.com/office/drawing/2014/main" xmlns="" id="{D44B8F11-A412-4FA6-9070-B9C742F699F3}"/>
-              </a:ext>
-            </a:extLst>
-          </p:cNvPr>
+            <a:endParaRPr lang="en-SG" dirty="0"/>
+          </a:p>
+        </p:txBody>
+      </p:sp>
+      <p:sp>
+        <p:nvSpPr>
+          <p:cNvPr id="3" name="Footer Placeholder 2"/>
           <p:cNvSpPr>
             <a:spLocks noGrp="1"/>
           </p:cNvSpPr>
@@ -2116,19 +1842,13 @@
           <a:bodyPr/>
           <a:lstStyle/>
           <a:p>
-            <a:endParaRPr lang="en-SG"/>
-          </a:p>
-        </p:txBody>
-      </p:sp>
-      <p:sp>
-        <p:nvSpPr>
-          <p:cNvPr id="4" name="Slide Number Placeholder 3">
-            <a:extLst>
-              <a:ext uri="{FF2B5EF4-FFF2-40B4-BE49-F238E27FC236}">
-                <a16:creationId xmlns:a16="http://schemas.microsoft.com/office/drawing/2014/main" xmlns="" id="{E3EA086A-DA0B-4378-A128-F213644ECB0C}"/>
-              </a:ext>
-            </a:extLst>
-          </p:cNvPr>
+            <a:endParaRPr lang="en-SG" dirty="0"/>
+          </a:p>
+        </p:txBody>
+      </p:sp>
+      <p:sp>
+        <p:nvSpPr>
+          <p:cNvPr id="4" name="Slide Number Placeholder 3"/>
           <p:cNvSpPr>
             <a:spLocks noGrp="1"/>
           </p:cNvSpPr>
@@ -2145,14 +1865,14 @@
               <a:rPr lang="en-SG" smtClean="0"/>
               <a:t>‹#›</a:t>
             </a:fld>
-            <a:endParaRPr lang="en-SG"/>
+            <a:endParaRPr lang="en-SG" dirty="0"/>
           </a:p>
         </p:txBody>
       </p:sp>
     </p:spTree>
     <p:extLst>
       <p:ext uri="{BB962C8B-B14F-4D97-AF65-F5344CB8AC3E}">
-        <p14:creationId xmlns:p14="http://schemas.microsoft.com/office/powerpoint/2010/main" val="2808055610"/>
+        <p14:creationId xmlns:p14="http://schemas.microsoft.com/office/powerpoint/2010/main" val="3512454214"/>
       </p:ext>
     </p:extLst>
   </p:cSld>
@@ -2181,13 +1901,7 @@
       </p:grpSpPr>
       <p:sp>
         <p:nvSpPr>
-          <p:cNvPr id="2" name="Title 1">
-            <a:extLst>
-              <a:ext uri="{FF2B5EF4-FFF2-40B4-BE49-F238E27FC236}">
-                <a16:creationId xmlns:a16="http://schemas.microsoft.com/office/drawing/2014/main" xmlns="" id="{765D165A-D423-4E89-A075-D59A9FB59792}"/>
-              </a:ext>
-            </a:extLst>
-          </p:cNvPr>
+          <p:cNvPr id="2" name="Title 1"/>
           <p:cNvSpPr>
             <a:spLocks noGrp="1"/>
           </p:cNvSpPr>
@@ -2197,8 +1911,8 @@
         </p:nvSpPr>
         <p:spPr>
           <a:xfrm>
-            <a:off x="839788" y="457200"/>
-            <a:ext cx="3932237" cy="1600200"/>
+            <a:off x="991891" y="457200"/>
+            <a:ext cx="4644443" cy="1600200"/>
           </a:xfrm>
         </p:spPr>
         <p:txBody>
@@ -2213,19 +1927,13 @@
               <a:rPr lang="en-US"/>
               <a:t>Click to edit Master title style</a:t>
             </a:r>
-            <a:endParaRPr lang="en-SG"/>
-          </a:p>
-        </p:txBody>
-      </p:sp>
-      <p:sp>
-        <p:nvSpPr>
-          <p:cNvPr id="3" name="Content Placeholder 2">
-            <a:extLst>
-              <a:ext uri="{FF2B5EF4-FFF2-40B4-BE49-F238E27FC236}">
-                <a16:creationId xmlns:a16="http://schemas.microsoft.com/office/drawing/2014/main" xmlns="" id="{77C2A5CC-2876-49CA-993D-F4F73FC9D2B0}"/>
-              </a:ext>
-            </a:extLst>
-          </p:cNvPr>
+            <a:endParaRPr lang="en-US" dirty="0"/>
+          </a:p>
+        </p:txBody>
+      </p:sp>
+      <p:sp>
+        <p:nvSpPr>
+          <p:cNvPr id="3" name="Content Placeholder 2"/>
           <p:cNvSpPr>
             <a:spLocks noGrp="1"/>
           </p:cNvSpPr>
@@ -2235,8 +1943,8 @@
         </p:nvSpPr>
         <p:spPr>
           <a:xfrm>
-            <a:off x="5183188" y="987425"/>
-            <a:ext cx="6172200" cy="4873625"/>
+            <a:off x="6121966" y="987426"/>
+            <a:ext cx="7290108" cy="4873625"/>
           </a:xfrm>
         </p:spPr>
         <p:txBody>
@@ -2304,19 +2012,13 @@
               <a:rPr lang="en-US"/>
               <a:t>Fifth level</a:t>
             </a:r>
-            <a:endParaRPr lang="en-SG"/>
-          </a:p>
-        </p:txBody>
-      </p:sp>
-      <p:sp>
-        <p:nvSpPr>
-          <p:cNvPr id="4" name="Text Placeholder 3">
-            <a:extLst>
-              <a:ext uri="{FF2B5EF4-FFF2-40B4-BE49-F238E27FC236}">
-                <a16:creationId xmlns:a16="http://schemas.microsoft.com/office/drawing/2014/main" xmlns="" id="{7B4DE2E8-CCF6-4E88-A858-05A04CD0D736}"/>
-              </a:ext>
-            </a:extLst>
-          </p:cNvPr>
+            <a:endParaRPr lang="en-US" dirty="0"/>
+          </a:p>
+        </p:txBody>
+      </p:sp>
+      <p:sp>
+        <p:nvSpPr>
+          <p:cNvPr id="4" name="Text Placeholder 3"/>
           <p:cNvSpPr>
             <a:spLocks noGrp="1"/>
           </p:cNvSpPr>
@@ -2326,8 +2028,8 @@
         </p:nvSpPr>
         <p:spPr>
           <a:xfrm>
-            <a:off x="839788" y="2057400"/>
-            <a:ext cx="3932237" cy="3811588"/>
+            <a:off x="991891" y="2057400"/>
+            <a:ext cx="4644443" cy="3811588"/>
           </a:xfrm>
         </p:spPr>
         <p:txBody>
@@ -2381,13 +2083,7 @@
       </p:sp>
       <p:sp>
         <p:nvSpPr>
-          <p:cNvPr id="5" name="Date Placeholder 4">
-            <a:extLst>
-              <a:ext uri="{FF2B5EF4-FFF2-40B4-BE49-F238E27FC236}">
-                <a16:creationId xmlns:a16="http://schemas.microsoft.com/office/drawing/2014/main" xmlns="" id="{CAEBEC1E-DE48-4B55-A846-F8248E381145}"/>
-              </a:ext>
-            </a:extLst>
-          </p:cNvPr>
+          <p:cNvPr id="5" name="Date Placeholder 4"/>
           <p:cNvSpPr>
             <a:spLocks noGrp="1"/>
           </p:cNvSpPr>
@@ -2402,21 +2098,15 @@
           <a:p>
             <a:fld id="{03EC4E3E-8101-482F-A883-8B55DAFF7C07}" type="datetimeFigureOut">
               <a:rPr lang="en-SG" smtClean="0"/>
-              <a:t>30/12/2017</a:t>
+              <a:t>19/3/2018</a:t>
             </a:fld>
-            <a:endParaRPr lang="en-SG"/>
-          </a:p>
-        </p:txBody>
-      </p:sp>
-      <p:sp>
-        <p:nvSpPr>
-          <p:cNvPr id="6" name="Footer Placeholder 5">
-            <a:extLst>
-              <a:ext uri="{FF2B5EF4-FFF2-40B4-BE49-F238E27FC236}">
-                <a16:creationId xmlns:a16="http://schemas.microsoft.com/office/drawing/2014/main" xmlns="" id="{945A6E8B-6BC2-49E9-B4E5-DAD3F7A1A1BF}"/>
-              </a:ext>
-            </a:extLst>
-          </p:cNvPr>
+            <a:endParaRPr lang="en-SG" dirty="0"/>
+          </a:p>
+        </p:txBody>
+      </p:sp>
+      <p:sp>
+        <p:nvSpPr>
+          <p:cNvPr id="6" name="Footer Placeholder 5"/>
           <p:cNvSpPr>
             <a:spLocks noGrp="1"/>
           </p:cNvSpPr>
@@ -2429,19 +2119,13 @@
           <a:bodyPr/>
           <a:lstStyle/>
           <a:p>
-            <a:endParaRPr lang="en-SG"/>
-          </a:p>
-        </p:txBody>
-      </p:sp>
-      <p:sp>
-        <p:nvSpPr>
-          <p:cNvPr id="7" name="Slide Number Placeholder 6">
-            <a:extLst>
-              <a:ext uri="{FF2B5EF4-FFF2-40B4-BE49-F238E27FC236}">
-                <a16:creationId xmlns:a16="http://schemas.microsoft.com/office/drawing/2014/main" xmlns="" id="{E5CF739B-EDF0-43CE-A87E-C49F040C85A5}"/>
-              </a:ext>
-            </a:extLst>
-          </p:cNvPr>
+            <a:endParaRPr lang="en-SG" dirty="0"/>
+          </a:p>
+        </p:txBody>
+      </p:sp>
+      <p:sp>
+        <p:nvSpPr>
+          <p:cNvPr id="7" name="Slide Number Placeholder 6"/>
           <p:cNvSpPr>
             <a:spLocks noGrp="1"/>
           </p:cNvSpPr>
@@ -2458,14 +2142,14 @@
               <a:rPr lang="en-SG" smtClean="0"/>
               <a:t>‹#›</a:t>
             </a:fld>
-            <a:endParaRPr lang="en-SG"/>
+            <a:endParaRPr lang="en-SG" dirty="0"/>
           </a:p>
         </p:txBody>
       </p:sp>
     </p:spTree>
     <p:extLst>
       <p:ext uri="{BB962C8B-B14F-4D97-AF65-F5344CB8AC3E}">
-        <p14:creationId xmlns:p14="http://schemas.microsoft.com/office/powerpoint/2010/main" val="4039745741"/>
+        <p14:creationId xmlns:p14="http://schemas.microsoft.com/office/powerpoint/2010/main" val="3498893725"/>
       </p:ext>
     </p:extLst>
   </p:cSld>
@@ -2494,13 +2178,7 @@
       </p:grpSpPr>
       <p:sp>
         <p:nvSpPr>
-          <p:cNvPr id="2" name="Title 1">
-            <a:extLst>
-              <a:ext uri="{FF2B5EF4-FFF2-40B4-BE49-F238E27FC236}">
-                <a16:creationId xmlns:a16="http://schemas.microsoft.com/office/drawing/2014/main" xmlns="" id="{0091F49F-E849-4834-84DB-61CF2F2652D4}"/>
-              </a:ext>
-            </a:extLst>
-          </p:cNvPr>
+          <p:cNvPr id="2" name="Title 1"/>
           <p:cNvSpPr>
             <a:spLocks noGrp="1"/>
           </p:cNvSpPr>
@@ -2510,8 +2188,8 @@
         </p:nvSpPr>
         <p:spPr>
           <a:xfrm>
-            <a:off x="839788" y="457200"/>
-            <a:ext cx="3932237" cy="1600200"/>
+            <a:off x="991891" y="457200"/>
+            <a:ext cx="4644443" cy="1600200"/>
           </a:xfrm>
         </p:spPr>
         <p:txBody>
@@ -2526,21 +2204,15 @@
               <a:rPr lang="en-US"/>
               <a:t>Click to edit Master title style</a:t>
             </a:r>
-            <a:endParaRPr lang="en-SG"/>
-          </a:p>
-        </p:txBody>
-      </p:sp>
-      <p:sp>
-        <p:nvSpPr>
-          <p:cNvPr id="3" name="Picture Placeholder 2">
-            <a:extLst>
-              <a:ext uri="{FF2B5EF4-FFF2-40B4-BE49-F238E27FC236}">
-                <a16:creationId xmlns:a16="http://schemas.microsoft.com/office/drawing/2014/main" xmlns="" id="{631D62A9-3420-4F1C-9EB9-09EF85106E78}"/>
-              </a:ext>
-            </a:extLst>
-          </p:cNvPr>
-          <p:cNvSpPr>
-            <a:spLocks noGrp="1"/>
+            <a:endParaRPr lang="en-US" dirty="0"/>
+          </a:p>
+        </p:txBody>
+      </p:sp>
+      <p:sp>
+        <p:nvSpPr>
+          <p:cNvPr id="3" name="Picture Placeholder 2"/>
+          <p:cNvSpPr>
+            <a:spLocks noGrp="1" noChangeAspect="1"/>
           </p:cNvSpPr>
           <p:nvPr>
             <p:ph type="pic" idx="1"/>
@@ -2548,12 +2220,12 @@
         </p:nvSpPr>
         <p:spPr>
           <a:xfrm>
-            <a:off x="5183188" y="987425"/>
-            <a:ext cx="6172200" cy="4873625"/>
+            <a:off x="6121966" y="987426"/>
+            <a:ext cx="7290108" cy="4873625"/>
           </a:xfrm>
         </p:spPr>
         <p:txBody>
-          <a:bodyPr/>
+          <a:bodyPr anchor="t"/>
           <a:lstStyle>
             <a:lvl1pPr marL="0" indent="0">
               <a:buNone/>
@@ -2593,19 +2265,16 @@
             </a:lvl9pPr>
           </a:lstStyle>
           <a:p>
-            <a:endParaRPr lang="en-SG"/>
-          </a:p>
-        </p:txBody>
-      </p:sp>
-      <p:sp>
-        <p:nvSpPr>
-          <p:cNvPr id="4" name="Text Placeholder 3">
-            <a:extLst>
-              <a:ext uri="{FF2B5EF4-FFF2-40B4-BE49-F238E27FC236}">
-                <a16:creationId xmlns:a16="http://schemas.microsoft.com/office/drawing/2014/main" xmlns="" id="{E450EC8D-D7F4-45FC-AD8C-2E198A32CCA2}"/>
-              </a:ext>
-            </a:extLst>
-          </p:cNvPr>
+            <a:r>
+              <a:rPr lang="en-US" dirty="0"/>
+              <a:t>Click icon to add picture</a:t>
+            </a:r>
+          </a:p>
+        </p:txBody>
+      </p:sp>
+      <p:sp>
+        <p:nvSpPr>
+          <p:cNvPr id="4" name="Text Placeholder 3"/>
           <p:cNvSpPr>
             <a:spLocks noGrp="1"/>
           </p:cNvSpPr>
@@ -2615,8 +2284,8 @@
         </p:nvSpPr>
         <p:spPr>
           <a:xfrm>
-            <a:off x="839788" y="2057400"/>
-            <a:ext cx="3932237" cy="3811588"/>
+            <a:off x="991891" y="2057400"/>
+            <a:ext cx="4644443" cy="3811588"/>
           </a:xfrm>
         </p:spPr>
         <p:txBody>
@@ -2670,13 +2339,7 @@
       </p:sp>
       <p:sp>
         <p:nvSpPr>
-          <p:cNvPr id="5" name="Date Placeholder 4">
-            <a:extLst>
-              <a:ext uri="{FF2B5EF4-FFF2-40B4-BE49-F238E27FC236}">
-                <a16:creationId xmlns:a16="http://schemas.microsoft.com/office/drawing/2014/main" xmlns="" id="{7A73D668-ABF4-41FE-958C-542EEDC5F6CC}"/>
-              </a:ext>
-            </a:extLst>
-          </p:cNvPr>
+          <p:cNvPr id="5" name="Date Placeholder 4"/>
           <p:cNvSpPr>
             <a:spLocks noGrp="1"/>
           </p:cNvSpPr>
@@ -2691,21 +2354,15 @@
           <a:p>
             <a:fld id="{03EC4E3E-8101-482F-A883-8B55DAFF7C07}" type="datetimeFigureOut">
               <a:rPr lang="en-SG" smtClean="0"/>
-              <a:t>30/12/2017</a:t>
+              <a:t>19/3/2018</a:t>
             </a:fld>
-            <a:endParaRPr lang="en-SG"/>
-          </a:p>
-        </p:txBody>
-      </p:sp>
-      <p:sp>
-        <p:nvSpPr>
-          <p:cNvPr id="6" name="Footer Placeholder 5">
-            <a:extLst>
-              <a:ext uri="{FF2B5EF4-FFF2-40B4-BE49-F238E27FC236}">
-                <a16:creationId xmlns:a16="http://schemas.microsoft.com/office/drawing/2014/main" xmlns="" id="{F4A83B1C-93E7-4D32-9D1B-3F37403B1ACD}"/>
-              </a:ext>
-            </a:extLst>
-          </p:cNvPr>
+            <a:endParaRPr lang="en-SG" dirty="0"/>
+          </a:p>
+        </p:txBody>
+      </p:sp>
+      <p:sp>
+        <p:nvSpPr>
+          <p:cNvPr id="6" name="Footer Placeholder 5"/>
           <p:cNvSpPr>
             <a:spLocks noGrp="1"/>
           </p:cNvSpPr>
@@ -2718,19 +2375,13 @@
           <a:bodyPr/>
           <a:lstStyle/>
           <a:p>
-            <a:endParaRPr lang="en-SG"/>
-          </a:p>
-        </p:txBody>
-      </p:sp>
-      <p:sp>
-        <p:nvSpPr>
-          <p:cNvPr id="7" name="Slide Number Placeholder 6">
-            <a:extLst>
-              <a:ext uri="{FF2B5EF4-FFF2-40B4-BE49-F238E27FC236}">
-                <a16:creationId xmlns:a16="http://schemas.microsoft.com/office/drawing/2014/main" xmlns="" id="{C6AF73BE-F17B-487B-943B-28655BB51C92}"/>
-              </a:ext>
-            </a:extLst>
-          </p:cNvPr>
+            <a:endParaRPr lang="en-SG" dirty="0"/>
+          </a:p>
+        </p:txBody>
+      </p:sp>
+      <p:sp>
+        <p:nvSpPr>
+          <p:cNvPr id="7" name="Slide Number Placeholder 6"/>
           <p:cNvSpPr>
             <a:spLocks noGrp="1"/>
           </p:cNvSpPr>
@@ -2747,14 +2398,14 @@
               <a:rPr lang="en-SG" smtClean="0"/>
               <a:t>‹#›</a:t>
             </a:fld>
-            <a:endParaRPr lang="en-SG"/>
+            <a:endParaRPr lang="en-SG" dirty="0"/>
           </a:p>
         </p:txBody>
       </p:sp>
     </p:spTree>
     <p:extLst>
       <p:ext uri="{BB962C8B-B14F-4D97-AF65-F5344CB8AC3E}">
-        <p14:creationId xmlns:p14="http://schemas.microsoft.com/office/powerpoint/2010/main" val="1851851517"/>
+        <p14:creationId xmlns:p14="http://schemas.microsoft.com/office/powerpoint/2010/main" val="3920958803"/>
       </p:ext>
     </p:extLst>
   </p:cSld>
@@ -2788,13 +2439,7 @@
       </p:grpSpPr>
       <p:sp>
         <p:nvSpPr>
-          <p:cNvPr id="2" name="Title Placeholder 1">
-            <a:extLst>
-              <a:ext uri="{FF2B5EF4-FFF2-40B4-BE49-F238E27FC236}">
-                <a16:creationId xmlns:a16="http://schemas.microsoft.com/office/drawing/2014/main" xmlns="" id="{96F7127E-5F47-4B37-9FDB-695AB14D9551}"/>
-              </a:ext>
-            </a:extLst>
-          </p:cNvPr>
+          <p:cNvPr id="2" name="Title Placeholder 1"/>
           <p:cNvSpPr>
             <a:spLocks noGrp="1"/>
           </p:cNvSpPr>
@@ -2804,8 +2449,8 @@
         </p:nvSpPr>
         <p:spPr>
           <a:xfrm>
-            <a:off x="838200" y="365125"/>
-            <a:ext cx="10515600" cy="1325563"/>
+            <a:off x="990015" y="365126"/>
+            <a:ext cx="12420184" cy="1325563"/>
           </a:xfrm>
           <a:prstGeom prst="rect">
             <a:avLst/>
@@ -2821,19 +2466,13 @@
               <a:rPr lang="en-US"/>
               <a:t>Click to edit Master title style</a:t>
             </a:r>
-            <a:endParaRPr lang="en-SG"/>
-          </a:p>
-        </p:txBody>
-      </p:sp>
-      <p:sp>
-        <p:nvSpPr>
-          <p:cNvPr id="3" name="Text Placeholder 2">
-            <a:extLst>
-              <a:ext uri="{FF2B5EF4-FFF2-40B4-BE49-F238E27FC236}">
-                <a16:creationId xmlns:a16="http://schemas.microsoft.com/office/drawing/2014/main" xmlns="" id="{3BD20F0F-B303-4EE3-AF17-E303EA90B1A3}"/>
-              </a:ext>
-            </a:extLst>
-          </p:cNvPr>
+            <a:endParaRPr lang="en-US" dirty="0"/>
+          </a:p>
+        </p:txBody>
+      </p:sp>
+      <p:sp>
+        <p:nvSpPr>
+          <p:cNvPr id="3" name="Text Placeholder 2"/>
           <p:cNvSpPr>
             <a:spLocks noGrp="1"/>
           </p:cNvSpPr>
@@ -2843,8 +2482,8 @@
         </p:nvSpPr>
         <p:spPr>
           <a:xfrm>
-            <a:off x="838200" y="1825625"/>
-            <a:ext cx="10515600" cy="4351338"/>
+            <a:off x="990015" y="1825625"/>
+            <a:ext cx="12420184" cy="4351338"/>
           </a:xfrm>
           <a:prstGeom prst="rect">
             <a:avLst/>
@@ -2889,19 +2528,13 @@
               <a:rPr lang="en-US"/>
               <a:t>Fifth level</a:t>
             </a:r>
-            <a:endParaRPr lang="en-SG"/>
-          </a:p>
-        </p:txBody>
-      </p:sp>
-      <p:sp>
-        <p:nvSpPr>
-          <p:cNvPr id="4" name="Date Placeholder 3">
-            <a:extLst>
-              <a:ext uri="{FF2B5EF4-FFF2-40B4-BE49-F238E27FC236}">
-                <a16:creationId xmlns:a16="http://schemas.microsoft.com/office/drawing/2014/main" xmlns="" id="{7927ADFB-0C7F-4333-A456-815FAB4B0315}"/>
-              </a:ext>
-            </a:extLst>
-          </p:cNvPr>
+            <a:endParaRPr lang="en-US" dirty="0"/>
+          </a:p>
+        </p:txBody>
+      </p:sp>
+      <p:sp>
+        <p:nvSpPr>
+          <p:cNvPr id="4" name="Date Placeholder 3"/>
           <p:cNvSpPr>
             <a:spLocks noGrp="1"/>
           </p:cNvSpPr>
@@ -2911,8 +2544,8 @@
         </p:nvSpPr>
         <p:spPr>
           <a:xfrm>
-            <a:off x="838200" y="6356350"/>
-            <a:ext cx="2743200" cy="365125"/>
+            <a:off x="990015" y="6356351"/>
+            <a:ext cx="3240048" cy="365125"/>
           </a:xfrm>
           <a:prstGeom prst="rect">
             <a:avLst/>
@@ -2934,21 +2567,15 @@
           <a:p>
             <a:fld id="{03EC4E3E-8101-482F-A883-8B55DAFF7C07}" type="datetimeFigureOut">
               <a:rPr lang="en-SG" smtClean="0"/>
-              <a:t>30/12/2017</a:t>
+              <a:t>19/3/2018</a:t>
             </a:fld>
-            <a:endParaRPr lang="en-SG"/>
-          </a:p>
-        </p:txBody>
-      </p:sp>
-      <p:sp>
-        <p:nvSpPr>
-          <p:cNvPr id="5" name="Footer Placeholder 4">
-            <a:extLst>
-              <a:ext uri="{FF2B5EF4-FFF2-40B4-BE49-F238E27FC236}">
-                <a16:creationId xmlns:a16="http://schemas.microsoft.com/office/drawing/2014/main" xmlns="" id="{A1992B28-8397-4C93-A277-5EE43A537825}"/>
-              </a:ext>
-            </a:extLst>
-          </p:cNvPr>
+            <a:endParaRPr lang="en-SG" dirty="0"/>
+          </a:p>
+        </p:txBody>
+      </p:sp>
+      <p:sp>
+        <p:nvSpPr>
+          <p:cNvPr id="5" name="Footer Placeholder 4"/>
           <p:cNvSpPr>
             <a:spLocks noGrp="1"/>
           </p:cNvSpPr>
@@ -2958,8 +2585,8 @@
         </p:nvSpPr>
         <p:spPr>
           <a:xfrm>
-            <a:off x="4038600" y="6356350"/>
-            <a:ext cx="4114800" cy="365125"/>
+            <a:off x="4770071" y="6356351"/>
+            <a:ext cx="4860072" cy="365125"/>
           </a:xfrm>
           <a:prstGeom prst="rect">
             <a:avLst/>
@@ -2979,19 +2606,13 @@
             </a:lvl1pPr>
           </a:lstStyle>
           <a:p>
-            <a:endParaRPr lang="en-SG"/>
-          </a:p>
-        </p:txBody>
-      </p:sp>
-      <p:sp>
-        <p:nvSpPr>
-          <p:cNvPr id="6" name="Slide Number Placeholder 5">
-            <a:extLst>
-              <a:ext uri="{FF2B5EF4-FFF2-40B4-BE49-F238E27FC236}">
-                <a16:creationId xmlns:a16="http://schemas.microsoft.com/office/drawing/2014/main" xmlns="" id="{D7231209-A74B-4134-87D0-421AB81BBB47}"/>
-              </a:ext>
-            </a:extLst>
-          </p:cNvPr>
+            <a:endParaRPr lang="en-SG" dirty="0"/>
+          </a:p>
+        </p:txBody>
+      </p:sp>
+      <p:sp>
+        <p:nvSpPr>
+          <p:cNvPr id="6" name="Slide Number Placeholder 5"/>
           <p:cNvSpPr>
             <a:spLocks noGrp="1"/>
           </p:cNvSpPr>
@@ -3001,8 +2622,8 @@
         </p:nvSpPr>
         <p:spPr>
           <a:xfrm>
-            <a:off x="8610600" y="6356350"/>
-            <a:ext cx="2743200" cy="365125"/>
+            <a:off x="10170150" y="6356351"/>
+            <a:ext cx="3240048" cy="365125"/>
           </a:xfrm>
           <a:prstGeom prst="rect">
             <a:avLst/>
@@ -3026,30 +2647,30 @@
               <a:rPr lang="en-SG" smtClean="0"/>
               <a:t>‹#›</a:t>
             </a:fld>
-            <a:endParaRPr lang="en-SG"/>
+            <a:endParaRPr lang="en-SG" dirty="0"/>
           </a:p>
         </p:txBody>
       </p:sp>
     </p:spTree>
     <p:extLst>
       <p:ext uri="{BB962C8B-B14F-4D97-AF65-F5344CB8AC3E}">
-        <p14:creationId xmlns:p14="http://schemas.microsoft.com/office/powerpoint/2010/main" val="162984175"/>
+        <p14:creationId xmlns:p14="http://schemas.microsoft.com/office/powerpoint/2010/main" val="1075947963"/>
       </p:ext>
     </p:extLst>
   </p:cSld>
   <p:clrMap bg1="lt1" tx1="dk1" bg2="lt2" tx2="dk2" accent1="accent1" accent2="accent2" accent3="accent3" accent4="accent4" accent5="accent5" accent6="accent6" hlink="hlink" folHlink="folHlink"/>
   <p:sldLayoutIdLst>
-    <p:sldLayoutId id="2147483649" r:id="rId1"/>
-    <p:sldLayoutId id="2147483650" r:id="rId2"/>
-    <p:sldLayoutId id="2147483651" r:id="rId3"/>
-    <p:sldLayoutId id="2147483652" r:id="rId4"/>
-    <p:sldLayoutId id="2147483653" r:id="rId5"/>
-    <p:sldLayoutId id="2147483654" r:id="rId6"/>
-    <p:sldLayoutId id="2147483655" r:id="rId7"/>
-    <p:sldLayoutId id="2147483656" r:id="rId8"/>
-    <p:sldLayoutId id="2147483657" r:id="rId9"/>
-    <p:sldLayoutId id="2147483658" r:id="rId10"/>
-    <p:sldLayoutId id="2147483659" r:id="rId11"/>
+    <p:sldLayoutId id="2147483661" r:id="rId1"/>
+    <p:sldLayoutId id="2147483662" r:id="rId2"/>
+    <p:sldLayoutId id="2147483663" r:id="rId3"/>
+    <p:sldLayoutId id="2147483664" r:id="rId4"/>
+    <p:sldLayoutId id="2147483665" r:id="rId5"/>
+    <p:sldLayoutId id="2147483666" r:id="rId6"/>
+    <p:sldLayoutId id="2147483667" r:id="rId7"/>
+    <p:sldLayoutId id="2147483668" r:id="rId8"/>
+    <p:sldLayoutId id="2147483669" r:id="rId9"/>
+    <p:sldLayoutId id="2147483670" r:id="rId10"/>
+    <p:sldLayoutId id="2147483671" r:id="rId11"/>
   </p:sldLayoutIdLst>
   <p:txStyles>
     <p:titleStyle>
@@ -3359,7 +2980,7 @@
         </p:nvSpPr>
         <p:spPr>
           <a:xfrm>
-            <a:off x="7296981" y="1494315"/>
+            <a:off x="8401088" y="1494315"/>
             <a:ext cx="2621293" cy="2382474"/>
           </a:xfrm>
           <a:custGeom>
@@ -3435,7 +3056,7 @@
           <a:lstStyle/>
           <a:p>
             <a:pPr algn="ctr"/>
-            <a:endParaRPr lang="en-US"/>
+            <a:endParaRPr lang="en-US" dirty="0"/>
           </a:p>
         </p:txBody>
       </p:sp>
@@ -3447,7 +3068,7 @@
         </p:nvSpPr>
         <p:spPr>
           <a:xfrm>
-            <a:off x="10006092" y="1494315"/>
+            <a:off x="11110199" y="1494315"/>
             <a:ext cx="2621293" cy="2382474"/>
           </a:xfrm>
           <a:custGeom>
@@ -3523,7 +3144,7 @@
           <a:lstStyle/>
           <a:p>
             <a:pPr algn="ctr"/>
-            <a:endParaRPr lang="en-US"/>
+            <a:endParaRPr lang="en-US" dirty="0"/>
           </a:p>
         </p:txBody>
       </p:sp>
@@ -3535,7 +3156,7 @@
         </p:nvSpPr>
         <p:spPr>
           <a:xfrm>
-            <a:off x="2493090" y="1494315"/>
+            <a:off x="3597197" y="1494315"/>
             <a:ext cx="2621293" cy="2382474"/>
           </a:xfrm>
           <a:custGeom>
@@ -3611,7 +3232,7 @@
           <a:lstStyle/>
           <a:p>
             <a:pPr algn="ctr"/>
-            <a:endParaRPr lang="en-US"/>
+            <a:endParaRPr lang="en-US" dirty="0"/>
           </a:p>
         </p:txBody>
       </p:sp>
@@ -3623,7 +3244,7 @@
         </p:nvSpPr>
         <p:spPr>
           <a:xfrm>
-            <a:off x="-220607" y="1494315"/>
+            <a:off x="883500" y="1494315"/>
             <a:ext cx="2621293" cy="2382474"/>
           </a:xfrm>
           <a:custGeom>
@@ -3699,7 +3320,7 @@
           <a:lstStyle/>
           <a:p>
             <a:pPr algn="ctr"/>
-            <a:endParaRPr lang="en-US"/>
+            <a:endParaRPr lang="en-US" dirty="0"/>
           </a:p>
         </p:txBody>
       </p:sp>
@@ -3708,7 +3329,7 @@
           <p:cNvPr id="27" name="TextBox 26">
             <a:extLst>
               <a:ext uri="{FF2B5EF4-FFF2-40B4-BE49-F238E27FC236}">
-                <a16:creationId xmlns:a16="http://schemas.microsoft.com/office/drawing/2014/main" xmlns="" id="{A602E897-AC55-414E-A133-097A608AA9CB}"/>
+                <a16:creationId xmlns:a16="http://schemas.microsoft.com/office/drawing/2014/main" id="{A602E897-AC55-414E-A133-097A608AA9CB}"/>
               </a:ext>
             </a:extLst>
           </p:cNvPr>
@@ -3717,7 +3338,7 @@
         </p:nvSpPr>
         <p:spPr>
           <a:xfrm>
-            <a:off x="-62383" y="3903640"/>
+            <a:off x="1041724" y="3903640"/>
             <a:ext cx="2463069" cy="365972"/>
           </a:xfrm>
           <a:prstGeom prst="rect">
@@ -3733,14 +3354,11 @@
           <a:p>
             <a:pPr algn="ctr"/>
             <a:r>
-              <a:rPr lang="en-SG" dirty="0" err="1">
+              <a:rPr lang="en-SG" dirty="0">
                 <a:latin typeface="Consolas" panose="020B0609020204030204" pitchFamily="49" charset="0"/>
               </a:rPr>
               <a:t>undoStack</a:t>
             </a:r>
-            <a:endParaRPr lang="en-SG" dirty="0">
-              <a:latin typeface="Consolas" panose="020B0609020204030204" pitchFamily="49" charset="0"/>
-            </a:endParaRPr>
           </a:p>
         </p:txBody>
       </p:sp>
@@ -3749,7 +3367,7 @@
           <p:cNvPr id="28" name="TextBox 27">
             <a:extLst>
               <a:ext uri="{FF2B5EF4-FFF2-40B4-BE49-F238E27FC236}">
-                <a16:creationId xmlns:a16="http://schemas.microsoft.com/office/drawing/2014/main" xmlns="" id="{82DA2251-D0FB-46DF-9BA0-2C4F4E738263}"/>
+                <a16:creationId xmlns:a16="http://schemas.microsoft.com/office/drawing/2014/main" id="{82DA2251-D0FB-46DF-9BA0-2C4F4E738263}"/>
               </a:ext>
             </a:extLst>
           </p:cNvPr>
@@ -3758,7 +3376,7 @@
         </p:nvSpPr>
         <p:spPr>
           <a:xfrm>
-            <a:off x="2520692" y="3900280"/>
+            <a:off x="3624799" y="3900280"/>
             <a:ext cx="2458129" cy="369332"/>
           </a:xfrm>
           <a:prstGeom prst="rect">
@@ -3774,14 +3392,11 @@
           <a:p>
             <a:pPr algn="ctr"/>
             <a:r>
-              <a:rPr lang="en-SG" dirty="0" err="1">
+              <a:rPr lang="en-SG" dirty="0">
                 <a:latin typeface="Consolas" panose="020B0609020204030204" pitchFamily="49" charset="0"/>
               </a:rPr>
               <a:t>redoStack</a:t>
             </a:r>
-            <a:endParaRPr lang="en-SG" dirty="0">
-              <a:latin typeface="Consolas" panose="020B0609020204030204" pitchFamily="49" charset="0"/>
-            </a:endParaRPr>
           </a:p>
         </p:txBody>
       </p:sp>
@@ -3790,7 +3405,7 @@
           <p:cNvPr id="29" name="Arrow: Right 28">
             <a:extLst>
               <a:ext uri="{FF2B5EF4-FFF2-40B4-BE49-F238E27FC236}">
-                <a16:creationId xmlns:a16="http://schemas.microsoft.com/office/drawing/2014/main" xmlns="" id="{A4105A79-CB0E-4CCF-8AC9-8367702C35DA}"/>
+                <a16:creationId xmlns:a16="http://schemas.microsoft.com/office/drawing/2014/main" id="{A4105A79-CB0E-4CCF-8AC9-8367702C35DA}"/>
               </a:ext>
             </a:extLst>
           </p:cNvPr>
@@ -3799,7 +3414,7 @@
         </p:nvSpPr>
         <p:spPr>
           <a:xfrm>
-            <a:off x="5202201" y="1882950"/>
+            <a:off x="6306307" y="1882950"/>
             <a:ext cx="2002918" cy="1263192"/>
           </a:xfrm>
           <a:prstGeom prst="rightArrow">
@@ -3841,7 +3456,7 @@
           <p:cNvPr id="37" name="TextBox 36">
             <a:extLst>
               <a:ext uri="{FF2B5EF4-FFF2-40B4-BE49-F238E27FC236}">
-                <a16:creationId xmlns:a16="http://schemas.microsoft.com/office/drawing/2014/main" xmlns="" id="{8667EC55-FFE1-465D-90D3-E7951AB08C47}"/>
+                <a16:creationId xmlns:a16="http://schemas.microsoft.com/office/drawing/2014/main" id="{8667EC55-FFE1-465D-90D3-E7951AB08C47}"/>
               </a:ext>
             </a:extLst>
           </p:cNvPr>
@@ -3850,7 +3465,7 @@
         </p:nvSpPr>
         <p:spPr>
           <a:xfrm>
-            <a:off x="7448062" y="3900280"/>
+            <a:off x="8552169" y="3900280"/>
             <a:ext cx="2463069" cy="365972"/>
           </a:xfrm>
           <a:prstGeom prst="rect">
@@ -3866,14 +3481,11 @@
           <a:p>
             <a:pPr algn="ctr"/>
             <a:r>
-              <a:rPr lang="en-SG" dirty="0" err="1">
+              <a:rPr lang="en-SG" dirty="0">
                 <a:latin typeface="Consolas" panose="020B0609020204030204" pitchFamily="49" charset="0"/>
               </a:rPr>
               <a:t>undoStack</a:t>
             </a:r>
-            <a:endParaRPr lang="en-SG" dirty="0">
-              <a:latin typeface="Consolas" panose="020B0609020204030204" pitchFamily="49" charset="0"/>
-            </a:endParaRPr>
           </a:p>
         </p:txBody>
       </p:sp>
@@ -3882,7 +3494,7 @@
           <p:cNvPr id="38" name="TextBox 37">
             <a:extLst>
               <a:ext uri="{FF2B5EF4-FFF2-40B4-BE49-F238E27FC236}">
-                <a16:creationId xmlns:a16="http://schemas.microsoft.com/office/drawing/2014/main" xmlns="" id="{E7FC04E1-E8EF-4A00-BEAB-CDBFB6DAAA8E}"/>
+                <a16:creationId xmlns:a16="http://schemas.microsoft.com/office/drawing/2014/main" id="{E7FC04E1-E8EF-4A00-BEAB-CDBFB6DAAA8E}"/>
               </a:ext>
             </a:extLst>
           </p:cNvPr>
@@ -3891,7 +3503,7 @@
         </p:nvSpPr>
         <p:spPr>
           <a:xfrm>
-            <a:off x="10031137" y="3896920"/>
+            <a:off x="11135244" y="3896920"/>
             <a:ext cx="2458129" cy="369332"/>
           </a:xfrm>
           <a:prstGeom prst="rect">
@@ -3907,14 +3519,11 @@
           <a:p>
             <a:pPr algn="ctr"/>
             <a:r>
-              <a:rPr lang="en-SG" dirty="0" err="1">
+              <a:rPr lang="en-SG" dirty="0">
                 <a:latin typeface="Consolas" panose="020B0609020204030204" pitchFamily="49" charset="0"/>
               </a:rPr>
               <a:t>redoStack</a:t>
             </a:r>
-            <a:endParaRPr lang="en-SG" dirty="0">
-              <a:latin typeface="Consolas" panose="020B0609020204030204" pitchFamily="49" charset="0"/>
-            </a:endParaRPr>
           </a:p>
         </p:txBody>
       </p:sp>
@@ -3923,7 +3532,7 @@
           <p:cNvPr id="46" name="Table 45">
             <a:extLst>
               <a:ext uri="{FF2B5EF4-FFF2-40B4-BE49-F238E27FC236}">
-                <a16:creationId xmlns:a16="http://schemas.microsoft.com/office/drawing/2014/main" xmlns="" id="{7BA40FD4-3A8F-44EA-930E-0E72EA76EA23}"/>
+                <a16:creationId xmlns:a16="http://schemas.microsoft.com/office/drawing/2014/main" id="{7BA40FD4-3A8F-44EA-930E-0E72EA76EA23}"/>
               </a:ext>
             </a:extLst>
           </p:cNvPr>
@@ -3933,14 +3542,14 @@
           <p:nvPr>
             <p:extLst>
               <p:ext uri="{D42A27DB-BD31-4B8C-83A1-F6EECF244321}">
-                <p14:modId xmlns:p14="http://schemas.microsoft.com/office/powerpoint/2010/main" val="506067931"/>
+                <p14:modId xmlns:p14="http://schemas.microsoft.com/office/powerpoint/2010/main" val="3965772232"/>
               </p:ext>
             </p:extLst>
           </p:nvPr>
         </p:nvGraphicFramePr>
         <p:xfrm>
-          <a:off x="-147723" y="1694475"/>
-          <a:ext cx="2458129" cy="1005840"/>
+          <a:off x="956384" y="1694475"/>
+          <a:ext cx="2458129" cy="914400"/>
         </p:xfrm>
         <a:graphic>
           <a:graphicData uri="http://schemas.openxmlformats.org/drawingml/2006/table">
@@ -3952,7 +3561,7 @@
                 <a:gridCol w="2458129">
                   <a:extLst>
                     <a:ext uri="{9D8B030D-6E8A-4147-A177-3AD203B41FA5}">
-                      <a16:colId xmlns:a16="http://schemas.microsoft.com/office/drawing/2014/main" xmlns="" val="4240773277"/>
+                      <a16:colId xmlns:a16="http://schemas.microsoft.com/office/drawing/2014/main" val="4240773277"/>
                     </a:ext>
                   </a:extLst>
                 </a:gridCol>
@@ -3964,14 +3573,9 @@
                     <a:lstStyle/>
                     <a:p>
                       <a:r>
-                        <a:rPr lang="en-SG" u="sng" dirty="0"/>
-                        <a:t>:</a:t>
+                        <a:rPr lang="en-SG" sz="1600" u="sng" dirty="0"/>
+                        <a:t>:AddCommand</a:t>
                       </a:r>
-                      <a:r>
-                        <a:rPr lang="en-SG" u="sng" dirty="0" err="1"/>
-                        <a:t>AddCommand</a:t>
-                      </a:r>
-                      <a:endParaRPr lang="en-SG" u="sng" dirty="0"/>
                     </a:p>
                   </a:txBody>
                   <a:tcPr>
@@ -3990,7 +3594,7 @@
                 </a:tc>
                 <a:extLst>
                   <a:ext uri="{0D108BD9-81ED-4DB2-BD59-A6C34878D82A}">
-                    <a16:rowId xmlns:a16="http://schemas.microsoft.com/office/drawing/2014/main" xmlns="" val="2194462629"/>
+                    <a16:rowId xmlns:a16="http://schemas.microsoft.com/office/drawing/2014/main" val="2194462629"/>
                   </a:ext>
                 </a:extLst>
               </a:tr>
@@ -4001,22 +3605,14 @@
                     <a:lstStyle/>
                     <a:p>
                       <a:r>
-                        <a:rPr lang="en-SG" dirty="0" err="1"/>
-                        <a:t>toAdd</a:t>
-                      </a:r>
-                      <a:r>
-                        <a:rPr lang="en-SG" dirty="0"/>
-                        <a:t> = “Name: David”</a:t>
+                        <a:rPr lang="en-SG" sz="1600" dirty="0"/>
+                        <a:t>toAdd = “Name: Cathay”</a:t>
                       </a:r>
                     </a:p>
                     <a:p>
                       <a:r>
-                        <a:rPr lang="en-SG" dirty="0" err="1"/>
-                        <a:t>prevAddressBook</a:t>
-                      </a:r>
-                      <a:r>
-                        <a:rPr lang="en-SG" dirty="0"/>
-                        <a:t> = s2</a:t>
+                        <a:rPr lang="en-SG" sz="1600" dirty="0"/>
+                        <a:t>prevMoviePlanner = s2</a:t>
                       </a:r>
                     </a:p>
                   </a:txBody>
@@ -4036,7 +3632,7 @@
                 </a:tc>
                 <a:extLst>
                   <a:ext uri="{0D108BD9-81ED-4DB2-BD59-A6C34878D82A}">
-                    <a16:rowId xmlns:a16="http://schemas.microsoft.com/office/drawing/2014/main" xmlns="" val="368623409"/>
+                    <a16:rowId xmlns:a16="http://schemas.microsoft.com/office/drawing/2014/main" val="368623409"/>
                   </a:ext>
                 </a:extLst>
               </a:tr>
@@ -4049,7 +3645,7 @@
           <p:cNvPr id="44" name="Table 43">
             <a:extLst>
               <a:ext uri="{FF2B5EF4-FFF2-40B4-BE49-F238E27FC236}">
-                <a16:creationId xmlns:a16="http://schemas.microsoft.com/office/drawing/2014/main" xmlns="" id="{576A6F3A-17FD-4766-8EEC-922FC2F8B776}"/>
+                <a16:creationId xmlns:a16="http://schemas.microsoft.com/office/drawing/2014/main" id="{576A6F3A-17FD-4766-8EEC-922FC2F8B776}"/>
               </a:ext>
             </a:extLst>
           </p:cNvPr>
@@ -4059,14 +3655,14 @@
           <p:nvPr>
             <p:extLst>
               <p:ext uri="{D42A27DB-BD31-4B8C-83A1-F6EECF244321}">
-                <p14:modId xmlns:p14="http://schemas.microsoft.com/office/powerpoint/2010/main" val="851524875"/>
+                <p14:modId xmlns:p14="http://schemas.microsoft.com/office/powerpoint/2010/main" val="85345357"/>
               </p:ext>
             </p:extLst>
           </p:nvPr>
         </p:nvGraphicFramePr>
         <p:xfrm>
-          <a:off x="10099278" y="2777902"/>
-          <a:ext cx="2458129" cy="1005840"/>
+          <a:off x="11203385" y="2777902"/>
+          <a:ext cx="2458129" cy="914400"/>
         </p:xfrm>
         <a:graphic>
           <a:graphicData uri="http://schemas.openxmlformats.org/drawingml/2006/table">
@@ -4078,7 +3674,7 @@
                 <a:gridCol w="2458129">
                   <a:extLst>
                     <a:ext uri="{9D8B030D-6E8A-4147-A177-3AD203B41FA5}">
-                      <a16:colId xmlns:a16="http://schemas.microsoft.com/office/drawing/2014/main" xmlns="" val="4240773277"/>
+                      <a16:colId xmlns:a16="http://schemas.microsoft.com/office/drawing/2014/main" val="4240773277"/>
                     </a:ext>
                   </a:extLst>
                 </a:gridCol>
@@ -4090,14 +3686,9 @@
                     <a:lstStyle/>
                     <a:p>
                       <a:r>
-                        <a:rPr lang="en-SG" u="sng" dirty="0"/>
-                        <a:t>:</a:t>
+                        <a:rPr lang="en-SG" sz="1600" u="sng" dirty="0"/>
+                        <a:t>:AddCommand</a:t>
                       </a:r>
-                      <a:r>
-                        <a:rPr lang="en-SG" u="sng" dirty="0" err="1"/>
-                        <a:t>AddCommand</a:t>
-                      </a:r>
-                      <a:endParaRPr lang="en-SG" u="sng" dirty="0"/>
                     </a:p>
                   </a:txBody>
                   <a:tcPr>
@@ -4116,7 +3707,7 @@
                 </a:tc>
                 <a:extLst>
                   <a:ext uri="{0D108BD9-81ED-4DB2-BD59-A6C34878D82A}">
-                    <a16:rowId xmlns:a16="http://schemas.microsoft.com/office/drawing/2014/main" xmlns="" val="2194462629"/>
+                    <a16:rowId xmlns:a16="http://schemas.microsoft.com/office/drawing/2014/main" val="2194462629"/>
                   </a:ext>
                 </a:extLst>
               </a:tr>
@@ -4127,22 +3718,14 @@
                     <a:lstStyle/>
                     <a:p>
                       <a:r>
-                        <a:rPr lang="en-SG" dirty="0" err="1"/>
-                        <a:t>toAdd</a:t>
-                      </a:r>
-                      <a:r>
-                        <a:rPr lang="en-SG" dirty="0"/>
-                        <a:t> = “Name: David”</a:t>
+                        <a:rPr lang="en-SG" sz="1600" dirty="0"/>
+                        <a:t>toAdd = “Name: Cathay”</a:t>
                       </a:r>
                     </a:p>
                     <a:p>
                       <a:r>
-                        <a:rPr lang="en-SG" dirty="0" err="1"/>
-                        <a:t>prevAddressBook</a:t>
-                      </a:r>
-                      <a:r>
-                        <a:rPr lang="en-SG" dirty="0"/>
-                        <a:t> = s2</a:t>
+                        <a:rPr lang="en-SG" sz="1600" dirty="0"/>
+                        <a:t>prevMoviePlanner = s2</a:t>
                       </a:r>
                     </a:p>
                   </a:txBody>
@@ -4162,7 +3745,7 @@
                 </a:tc>
                 <a:extLst>
                   <a:ext uri="{0D108BD9-81ED-4DB2-BD59-A6C34878D82A}">
-                    <a16:rowId xmlns:a16="http://schemas.microsoft.com/office/drawing/2014/main" xmlns="" val="368623409"/>
+                    <a16:rowId xmlns:a16="http://schemas.microsoft.com/office/drawing/2014/main" val="368623409"/>
                   </a:ext>
                 </a:extLst>
               </a:tr>
@@ -4175,7 +3758,7 @@
           <p:cNvPr id="43" name="Table 42">
             <a:extLst>
               <a:ext uri="{FF2B5EF4-FFF2-40B4-BE49-F238E27FC236}">
-                <a16:creationId xmlns:a16="http://schemas.microsoft.com/office/drawing/2014/main" xmlns="" id="{E38B6292-CE11-44D1-BDA4-34DF2961750B}"/>
+                <a16:creationId xmlns:a16="http://schemas.microsoft.com/office/drawing/2014/main" id="{E38B6292-CE11-44D1-BDA4-34DF2961750B}"/>
               </a:ext>
             </a:extLst>
           </p:cNvPr>
@@ -4185,13 +3768,13 @@
           <p:nvPr>
             <p:extLst>
               <p:ext uri="{D42A27DB-BD31-4B8C-83A1-F6EECF244321}">
-                <p14:modId xmlns:p14="http://schemas.microsoft.com/office/powerpoint/2010/main" val="1269597399"/>
+                <p14:modId xmlns:p14="http://schemas.microsoft.com/office/powerpoint/2010/main" val="3677300235"/>
               </p:ext>
             </p:extLst>
           </p:nvPr>
         </p:nvGraphicFramePr>
         <p:xfrm>
-          <a:off x="-147724" y="2779309"/>
+          <a:off x="956383" y="2779309"/>
           <a:ext cx="2458129" cy="1005840"/>
         </p:xfrm>
         <a:graphic>
@@ -4204,7 +3787,7 @@
                 <a:gridCol w="2458129">
                   <a:extLst>
                     <a:ext uri="{9D8B030D-6E8A-4147-A177-3AD203B41FA5}">
-                      <a16:colId xmlns:a16="http://schemas.microsoft.com/office/drawing/2014/main" xmlns="" val="4240773277"/>
+                      <a16:colId xmlns:a16="http://schemas.microsoft.com/office/drawing/2014/main" val="4240773277"/>
                     </a:ext>
                   </a:extLst>
                 </a:gridCol>
@@ -4217,13 +3800,8 @@
                     <a:p>
                       <a:r>
                         <a:rPr lang="en-SG" u="sng" dirty="0"/>
-                        <a:t>:</a:t>
+                        <a:t>:DeleteCommand</a:t>
                       </a:r>
-                      <a:r>
-                        <a:rPr lang="en-SG" u="sng" dirty="0" err="1"/>
-                        <a:t>DeleteCommand</a:t>
-                      </a:r>
-                      <a:endParaRPr lang="en-SG" u="sng" dirty="0"/>
                     </a:p>
                   </a:txBody>
                   <a:tcPr>
@@ -4242,7 +3820,7 @@
                 </a:tc>
                 <a:extLst>
                   <a:ext uri="{0D108BD9-81ED-4DB2-BD59-A6C34878D82A}">
-                    <a16:rowId xmlns:a16="http://schemas.microsoft.com/office/drawing/2014/main" xmlns="" val="2194462629"/>
+                    <a16:rowId xmlns:a16="http://schemas.microsoft.com/office/drawing/2014/main" val="2194462629"/>
                   </a:ext>
                 </a:extLst>
               </a:tr>
@@ -4253,22 +3831,14 @@
                     <a:lstStyle/>
                     <a:p>
                       <a:r>
-                        <a:rPr lang="en-SG" dirty="0" err="1"/>
-                        <a:t>targetIndex</a:t>
-                      </a:r>
-                      <a:r>
                         <a:rPr lang="en-SG" dirty="0"/>
-                        <a:t> = 5</a:t>
+                        <a:t>targetIndex = 5</a:t>
                       </a:r>
                     </a:p>
                     <a:p>
                       <a:r>
-                        <a:rPr lang="en-SG" dirty="0" err="1"/>
-                        <a:t>prevAddressBook</a:t>
-                      </a:r>
-                      <a:r>
                         <a:rPr lang="en-SG" dirty="0"/>
-                        <a:t> = s3</a:t>
+                        <a:t>prevMoviePlanner = s3</a:t>
                       </a:r>
                     </a:p>
                   </a:txBody>
@@ -4288,7 +3858,7 @@
                 </a:tc>
                 <a:extLst>
                   <a:ext uri="{0D108BD9-81ED-4DB2-BD59-A6C34878D82A}">
-                    <a16:rowId xmlns:a16="http://schemas.microsoft.com/office/drawing/2014/main" xmlns="" val="368623409"/>
+                    <a16:rowId xmlns:a16="http://schemas.microsoft.com/office/drawing/2014/main" val="368623409"/>
                   </a:ext>
                 </a:extLst>
               </a:tr>
@@ -4301,7 +3871,7 @@
           <p:cNvPr id="45" name="Table 44">
             <a:extLst>
               <a:ext uri="{FF2B5EF4-FFF2-40B4-BE49-F238E27FC236}">
-                <a16:creationId xmlns:a16="http://schemas.microsoft.com/office/drawing/2014/main" xmlns="" id="{AF868A4F-9EFF-430E-BB35-5EE7938A56BB}"/>
+                <a16:creationId xmlns:a16="http://schemas.microsoft.com/office/drawing/2014/main" id="{AF868A4F-9EFF-430E-BB35-5EE7938A56BB}"/>
               </a:ext>
             </a:extLst>
           </p:cNvPr>
@@ -4311,13 +3881,13 @@
           <p:nvPr>
             <p:extLst>
               <p:ext uri="{D42A27DB-BD31-4B8C-83A1-F6EECF244321}">
-                <p14:modId xmlns:p14="http://schemas.microsoft.com/office/powerpoint/2010/main" val="1234221273"/>
+                <p14:modId xmlns:p14="http://schemas.microsoft.com/office/powerpoint/2010/main" val="2402728263"/>
               </p:ext>
             </p:extLst>
           </p:nvPr>
         </p:nvGraphicFramePr>
         <p:xfrm>
-          <a:off x="7448062" y="2787797"/>
+          <a:off x="8552168" y="2787797"/>
           <a:ext cx="2378350" cy="1005840"/>
         </p:xfrm>
         <a:graphic>
@@ -4330,7 +3900,7 @@
                 <a:gridCol w="2378350">
                   <a:extLst>
                     <a:ext uri="{9D8B030D-6E8A-4147-A177-3AD203B41FA5}">
-                      <a16:colId xmlns:a16="http://schemas.microsoft.com/office/drawing/2014/main" xmlns="" val="4240773277"/>
+                      <a16:colId xmlns:a16="http://schemas.microsoft.com/office/drawing/2014/main" val="4240773277"/>
                     </a:ext>
                   </a:extLst>
                 </a:gridCol>
@@ -4343,13 +3913,8 @@
                     <a:p>
                       <a:r>
                         <a:rPr lang="en-SG" u="sng" dirty="0"/>
-                        <a:t>:</a:t>
+                        <a:t>:DeleteCommand</a:t>
                       </a:r>
-                      <a:r>
-                        <a:rPr lang="en-SG" u="sng" dirty="0" err="1"/>
-                        <a:t>DeleteCommand</a:t>
-                      </a:r>
-                      <a:endParaRPr lang="en-SG" u="sng" dirty="0"/>
                     </a:p>
                   </a:txBody>
                   <a:tcPr>
@@ -4368,7 +3933,7 @@
                 </a:tc>
                 <a:extLst>
                   <a:ext uri="{0D108BD9-81ED-4DB2-BD59-A6C34878D82A}">
-                    <a16:rowId xmlns:a16="http://schemas.microsoft.com/office/drawing/2014/main" xmlns="" val="2194462629"/>
+                    <a16:rowId xmlns:a16="http://schemas.microsoft.com/office/drawing/2014/main" val="2194462629"/>
                   </a:ext>
                 </a:extLst>
               </a:tr>
@@ -4379,22 +3944,14 @@
                     <a:lstStyle/>
                     <a:p>
                       <a:r>
-                        <a:rPr lang="en-SG" dirty="0" err="1"/>
-                        <a:t>targetIndex</a:t>
-                      </a:r>
-                      <a:r>
                         <a:rPr lang="en-SG" dirty="0"/>
-                        <a:t> = 5</a:t>
+                        <a:t>targetIndex = 5</a:t>
                       </a:r>
                     </a:p>
                     <a:p>
                       <a:r>
-                        <a:rPr lang="en-SG" dirty="0" err="1"/>
-                        <a:t>prevAddressBook</a:t>
-                      </a:r>
-                      <a:r>
                         <a:rPr lang="en-SG" dirty="0"/>
-                        <a:t> = s3</a:t>
+                        <a:t>prevMoviePlanner = s3</a:t>
                       </a:r>
                     </a:p>
                   </a:txBody>
@@ -4414,7 +3971,7 @@
                 </a:tc>
                 <a:extLst>
                   <a:ext uri="{0D108BD9-81ED-4DB2-BD59-A6C34878D82A}">
-                    <a16:rowId xmlns:a16="http://schemas.microsoft.com/office/drawing/2014/main" xmlns="" val="368623409"/>
+                    <a16:rowId xmlns:a16="http://schemas.microsoft.com/office/drawing/2014/main" val="368623409"/>
                   </a:ext>
                 </a:extLst>
               </a:tr>
@@ -4427,7 +3984,7 @@
           <p:cNvPr id="2" name="TextBox 1">
             <a:extLst>
               <a:ext uri="{FF2B5EF4-FFF2-40B4-BE49-F238E27FC236}">
-                <a16:creationId xmlns:a16="http://schemas.microsoft.com/office/drawing/2014/main" xmlns="" id="{032C4FEA-C10B-4133-9BF6-AF6F40CC1AD4}"/>
+                <a16:creationId xmlns:a16="http://schemas.microsoft.com/office/drawing/2014/main" id="{032C4FEA-C10B-4133-9BF6-AF6F40CC1AD4}"/>
               </a:ext>
             </a:extLst>
           </p:cNvPr>
@@ -4436,7 +3993,7 @@
         </p:nvSpPr>
         <p:spPr>
           <a:xfrm>
-            <a:off x="7782113" y="1826859"/>
+            <a:off x="8886219" y="1826860"/>
             <a:ext cx="4591018" cy="646331"/>
           </a:xfrm>
           <a:prstGeom prst="rect">
@@ -4478,7 +4035,7 @@
             <a:pPr algn="ctr"/>
             <a:r>
               <a:rPr lang="en-SG" dirty="0"/>
-              <a:t>The state of the address book (before ‘add n/David’ was executed) will be restored to s2.</a:t>
+              <a:t>The state of the MoviePlanner (before ‘add n/Cathay’ was executed) will be restored to s2.</a:t>
             </a:r>
           </a:p>
         </p:txBody>
@@ -4499,7 +4056,7 @@
 <file path=ppt/theme/theme1.xml><?xml version="1.0" encoding="utf-8"?>
 <a:theme xmlns:a="http://schemas.openxmlformats.org/drawingml/2006/main" name="Office Theme">
   <a:themeElements>
-    <a:clrScheme name="Office">
+    <a:clrScheme name="Office Theme">
       <a:dk1>
         <a:sysClr val="windowText" lastClr="000000"/>
       </a:dk1>
@@ -4537,7 +4094,7 @@
         <a:srgbClr val="954F72"/>
       </a:folHlink>
     </a:clrScheme>
-    <a:fontScheme name="Office">
+    <a:fontScheme name="Office Theme">
       <a:majorFont>
         <a:latin typeface="Calibri Light" panose="020F0302020204030204"/>
         <a:ea typeface=""/>
@@ -4572,23 +4129,6 @@
         <a:font script="Viet" typeface="Times New Roman"/>
         <a:font script="Uigh" typeface="Microsoft Uighur"/>
         <a:font script="Geor" typeface="Sylfaen"/>
-        <a:font script="Armn" typeface="Arial"/>
-        <a:font script="Bugi" typeface="Leelawadee UI"/>
-        <a:font script="Bopo" typeface="Microsoft JhengHei"/>
-        <a:font script="Java" typeface="Javanese Text"/>
-        <a:font script="Lisu" typeface="Segoe UI"/>
-        <a:font script="Mymr" typeface="Myanmar Text"/>
-        <a:font script="Nkoo" typeface="Ebrima"/>
-        <a:font script="Olck" typeface="Nirmala UI"/>
-        <a:font script="Osma" typeface="Ebrima"/>
-        <a:font script="Phag" typeface="Phagspa"/>
-        <a:font script="Syrn" typeface="Estrangelo Edessa"/>
-        <a:font script="Syrj" typeface="Estrangelo Edessa"/>
-        <a:font script="Syre" typeface="Estrangelo Edessa"/>
-        <a:font script="Sora" typeface="Nirmala UI"/>
-        <a:font script="Tale" typeface="Microsoft Tai Le"/>
-        <a:font script="Talu" typeface="Microsoft New Tai Lue"/>
-        <a:font script="Tfng" typeface="Ebrima"/>
       </a:majorFont>
       <a:minorFont>
         <a:latin typeface="Calibri" panose="020F0502020204030204"/>
@@ -4624,26 +4164,9 @@
         <a:font script="Viet" typeface="Arial"/>
         <a:font script="Uigh" typeface="Microsoft Uighur"/>
         <a:font script="Geor" typeface="Sylfaen"/>
-        <a:font script="Armn" typeface="Arial"/>
-        <a:font script="Bugi" typeface="Leelawadee UI"/>
-        <a:font script="Bopo" typeface="Microsoft JhengHei"/>
-        <a:font script="Java" typeface="Javanese Text"/>
-        <a:font script="Lisu" typeface="Segoe UI"/>
-        <a:font script="Mymr" typeface="Myanmar Text"/>
-        <a:font script="Nkoo" typeface="Ebrima"/>
-        <a:font script="Olck" typeface="Nirmala UI"/>
-        <a:font script="Osma" typeface="Ebrima"/>
-        <a:font script="Phag" typeface="Phagspa"/>
-        <a:font script="Syrn" typeface="Estrangelo Edessa"/>
-        <a:font script="Syrj" typeface="Estrangelo Edessa"/>
-        <a:font script="Syre" typeface="Estrangelo Edessa"/>
-        <a:font script="Sora" typeface="Nirmala UI"/>
-        <a:font script="Tale" typeface="Microsoft Tai Le"/>
-        <a:font script="Talu" typeface="Microsoft New Tai Lue"/>
-        <a:font script="Tfng" typeface="Ebrima"/>
       </a:minorFont>
     </a:fontScheme>
-    <a:fmtScheme name="Office">
+    <a:fmtScheme name="Office Theme">
       <a:fillStyleLst>
         <a:solidFill>
           <a:schemeClr val="phClr"/>
